--- a/Azure.pptx
+++ b/Azure.pptx
@@ -8,6 +8,7 @@
     <p:sldId id="256" r:id="rId2"/>
     <p:sldId id="268" r:id="rId3"/>
     <p:sldId id="260" r:id="rId4"/>
+    <p:sldId id="269" r:id="rId5"/>
   </p:sldIdLst>
   <p:sldSz cx="12192000" cy="6858000"/>
   <p:notesSz cx="6858000" cy="9144000"/>
@@ -338,7 +339,7 @@
           <a:p>
             <a:fld id="{0A02B42C-C4DB-4178-9B04-3DCFA24D4F08}" type="datetimeFigureOut">
               <a:rPr lang="pt-BR" smtClean="0"/>
-              <a:t>19/09/2024</a:t>
+              <a:t>20/09/2024</a:t>
             </a:fld>
             <a:endParaRPr lang="pt-BR"/>
           </a:p>
@@ -508,7 +509,7 @@
           <a:p>
             <a:fld id="{0A02B42C-C4DB-4178-9B04-3DCFA24D4F08}" type="datetimeFigureOut">
               <a:rPr lang="pt-BR" smtClean="0"/>
-              <a:t>19/09/2024</a:t>
+              <a:t>20/09/2024</a:t>
             </a:fld>
             <a:endParaRPr lang="pt-BR"/>
           </a:p>
@@ -688,7 +689,7 @@
           <a:p>
             <a:fld id="{0A02B42C-C4DB-4178-9B04-3DCFA24D4F08}" type="datetimeFigureOut">
               <a:rPr lang="pt-BR" smtClean="0"/>
-              <a:t>19/09/2024</a:t>
+              <a:t>20/09/2024</a:t>
             </a:fld>
             <a:endParaRPr lang="pt-BR"/>
           </a:p>
@@ -858,7 +859,7 @@
           <a:p>
             <a:fld id="{0A02B42C-C4DB-4178-9B04-3DCFA24D4F08}" type="datetimeFigureOut">
               <a:rPr lang="pt-BR" smtClean="0"/>
-              <a:t>19/09/2024</a:t>
+              <a:t>20/09/2024</a:t>
             </a:fld>
             <a:endParaRPr lang="pt-BR"/>
           </a:p>
@@ -1116,7 +1117,7 @@
           <a:p>
             <a:fld id="{0A02B42C-C4DB-4178-9B04-3DCFA24D4F08}" type="datetimeFigureOut">
               <a:rPr lang="pt-BR" smtClean="0"/>
-              <a:t>19/09/2024</a:t>
+              <a:t>20/09/2024</a:t>
             </a:fld>
             <a:endParaRPr lang="pt-BR"/>
           </a:p>
@@ -1404,7 +1405,7 @@
           <a:p>
             <a:fld id="{0A02B42C-C4DB-4178-9B04-3DCFA24D4F08}" type="datetimeFigureOut">
               <a:rPr lang="pt-BR" smtClean="0"/>
-              <a:t>19/09/2024</a:t>
+              <a:t>20/09/2024</a:t>
             </a:fld>
             <a:endParaRPr lang="pt-BR"/>
           </a:p>
@@ -1846,7 +1847,7 @@
           <a:p>
             <a:fld id="{0A02B42C-C4DB-4178-9B04-3DCFA24D4F08}" type="datetimeFigureOut">
               <a:rPr lang="pt-BR" smtClean="0"/>
-              <a:t>19/09/2024</a:t>
+              <a:t>20/09/2024</a:t>
             </a:fld>
             <a:endParaRPr lang="pt-BR"/>
           </a:p>
@@ -1964,7 +1965,7 @@
           <a:p>
             <a:fld id="{0A02B42C-C4DB-4178-9B04-3DCFA24D4F08}" type="datetimeFigureOut">
               <a:rPr lang="pt-BR" smtClean="0"/>
-              <a:t>19/09/2024</a:t>
+              <a:t>20/09/2024</a:t>
             </a:fld>
             <a:endParaRPr lang="pt-BR"/>
           </a:p>
@@ -2059,7 +2060,7 @@
           <a:p>
             <a:fld id="{0A02B42C-C4DB-4178-9B04-3DCFA24D4F08}" type="datetimeFigureOut">
               <a:rPr lang="pt-BR" smtClean="0"/>
-              <a:t>19/09/2024</a:t>
+              <a:t>20/09/2024</a:t>
             </a:fld>
             <a:endParaRPr lang="pt-BR"/>
           </a:p>
@@ -2347,7 +2348,7 @@
           <a:p>
             <a:fld id="{0A02B42C-C4DB-4178-9B04-3DCFA24D4F08}" type="datetimeFigureOut">
               <a:rPr lang="pt-BR" smtClean="0"/>
-              <a:t>19/09/2024</a:t>
+              <a:t>20/09/2024</a:t>
             </a:fld>
             <a:endParaRPr lang="pt-BR"/>
           </a:p>
@@ -2620,7 +2621,7 @@
           <a:p>
             <a:fld id="{0A02B42C-C4DB-4178-9B04-3DCFA24D4F08}" type="datetimeFigureOut">
               <a:rPr lang="pt-BR" smtClean="0"/>
-              <a:t>19/09/2024</a:t>
+              <a:t>20/09/2024</a:t>
             </a:fld>
             <a:endParaRPr lang="pt-BR"/>
           </a:p>
@@ -2917,7 +2918,7 @@
           <a:p>
             <a:fld id="{0A02B42C-C4DB-4178-9B04-3DCFA24D4F08}" type="datetimeFigureOut">
               <a:rPr lang="pt-BR" smtClean="0"/>
-              <a:t>19/09/2024</a:t>
+              <a:t>20/09/2024</a:t>
             </a:fld>
             <a:endParaRPr lang="pt-BR"/>
           </a:p>
@@ -3613,6 +3614,53 @@
       </p:sp>
       <p:pic>
         <p:nvPicPr>
+          <p:cNvPr id="2" name="Picture 4" descr="Azure Cloud Services : Rising Market Share Growth and Innovative Solutions  Drive Success.">
+            <a:extLst>
+              <a:ext uri="{FF2B5EF4-FFF2-40B4-BE49-F238E27FC236}">
+                <a16:creationId xmlns:a16="http://schemas.microsoft.com/office/drawing/2014/main" id="{E9D7F86B-33ED-91DF-720A-18EB67C8245E}"/>
+              </a:ext>
+            </a:extLst>
+          </p:cNvPr>
+          <p:cNvPicPr>
+            <a:picLocks noChangeAspect="1" noChangeArrowheads="1"/>
+          </p:cNvPicPr>
+          <p:nvPr/>
+        </p:nvPicPr>
+        <p:blipFill>
+          <a:blip r:embed="rId2">
+            <a:extLst>
+              <a:ext uri="{28A0092B-C50C-407E-A947-70E740481C1C}">
+                <a14:useLocalDpi xmlns:a14="http://schemas.microsoft.com/office/drawing/2010/main" val="0"/>
+              </a:ext>
+            </a:extLst>
+          </a:blip>
+          <a:srcRect/>
+          <a:stretch>
+            <a:fillRect/>
+          </a:stretch>
+        </p:blipFill>
+        <p:spPr bwMode="auto">
+          <a:xfrm>
+            <a:off x="166255" y="1600078"/>
+            <a:ext cx="2133600" cy="2133600"/>
+          </a:xfrm>
+          <a:prstGeom prst="rect">
+            <a:avLst/>
+          </a:prstGeom>
+          <a:noFill/>
+          <a:extLst>
+            <a:ext uri="{909E8E84-426E-40DD-AFC4-6F175D3DCCD1}">
+              <a14:hiddenFill xmlns:a14="http://schemas.microsoft.com/office/drawing/2010/main">
+                <a:solidFill>
+                  <a:srgbClr val="FFFFFF"/>
+                </a:solidFill>
+              </a14:hiddenFill>
+            </a:ext>
+          </a:extLst>
+        </p:spPr>
+      </p:pic>
+      <p:pic>
+        <p:nvPicPr>
           <p:cNvPr id="3" name="Imagem 2">
             <a:extLst>
               <a:ext uri="{FF2B5EF4-FFF2-40B4-BE49-F238E27FC236}">
@@ -3626,7 +3674,7 @@
           <p:nvPr/>
         </p:nvPicPr>
         <p:blipFill>
-          <a:blip r:embed="rId2"/>
+          <a:blip r:embed="rId3"/>
           <a:stretch>
             <a:fillRect/>
           </a:stretch>
@@ -3673,6 +3721,1258 @@
       </p:grpSpPr>
       <p:sp>
         <p:nvSpPr>
+          <p:cNvPr id="8" name="CaixaDeTexto 7">
+            <a:extLst>
+              <a:ext uri="{FF2B5EF4-FFF2-40B4-BE49-F238E27FC236}">
+                <a16:creationId xmlns:a16="http://schemas.microsoft.com/office/drawing/2014/main" id="{65DFDBCB-FAA8-EE46-ED79-603B04453113}"/>
+              </a:ext>
+            </a:extLst>
+          </p:cNvPr>
+          <p:cNvSpPr txBox="1"/>
+          <p:nvPr/>
+        </p:nvSpPr>
+        <p:spPr>
+          <a:xfrm>
+            <a:off x="3609430" y="732307"/>
+            <a:ext cx="8074570" cy="2462213"/>
+          </a:xfrm>
+          <a:prstGeom prst="rect">
+            <a:avLst/>
+          </a:prstGeom>
+          <a:noFill/>
+        </p:spPr>
+        <p:txBody>
+          <a:bodyPr wrap="square">
+            <a:spAutoFit/>
+          </a:bodyPr>
+          <a:lstStyle/>
+          <a:p>
+            <a:r>
+              <a:rPr lang="pt-BR" sz="1400" b="1" dirty="0">
+                <a:latin typeface="Arial" panose="020B0604020202020204" pitchFamily="34" charset="0"/>
+                <a:cs typeface="Arial" panose="020B0604020202020204" pitchFamily="34" charset="0"/>
+              </a:rPr>
+              <a:t>Technology Stack Overview</a:t>
+            </a:r>
+          </a:p>
+          <a:p>
+            <a:pPr algn="just"/>
+            <a:endParaRPr lang="pt-BR" sz="1400" b="1" dirty="0">
+              <a:latin typeface="Arial" panose="020B0604020202020204" pitchFamily="34" charset="0"/>
+              <a:cs typeface="Arial" panose="020B0604020202020204" pitchFamily="34" charset="0"/>
+            </a:endParaRPr>
+          </a:p>
+          <a:p>
+            <a:r>
+              <a:rPr lang="pt-BR" sz="1400" dirty="0" err="1">
+                <a:latin typeface="Arial" panose="020B0604020202020204" pitchFamily="34" charset="0"/>
+                <a:cs typeface="Arial" panose="020B0604020202020204" pitchFamily="34" charset="0"/>
+              </a:rPr>
+              <a:t>Was</a:t>
+            </a:r>
+            <a:r>
+              <a:rPr lang="pt-BR" sz="1400" dirty="0">
+                <a:latin typeface="Arial" panose="020B0604020202020204" pitchFamily="34" charset="0"/>
+                <a:cs typeface="Arial" panose="020B0604020202020204" pitchFamily="34" charset="0"/>
+              </a:rPr>
+              <a:t> </a:t>
+            </a:r>
+            <a:r>
+              <a:rPr lang="pt-BR" sz="1400" dirty="0" err="1">
+                <a:latin typeface="Arial" panose="020B0604020202020204" pitchFamily="34" charset="0"/>
+                <a:cs typeface="Arial" panose="020B0604020202020204" pitchFamily="34" charset="0"/>
+              </a:rPr>
+              <a:t>choosed</a:t>
+            </a:r>
+            <a:r>
+              <a:rPr lang="pt-BR" sz="1400" dirty="0">
+                <a:latin typeface="Arial" panose="020B0604020202020204" pitchFamily="34" charset="0"/>
+                <a:cs typeface="Arial" panose="020B0604020202020204" pitchFamily="34" charset="0"/>
+              </a:rPr>
+              <a:t> </a:t>
+            </a:r>
+            <a:r>
+              <a:rPr lang="pt-BR" sz="1400" dirty="0" err="1">
+                <a:latin typeface="Arial" panose="020B0604020202020204" pitchFamily="34" charset="0"/>
+                <a:cs typeface="Arial" panose="020B0604020202020204" pitchFamily="34" charset="0"/>
+              </a:rPr>
+              <a:t>the</a:t>
+            </a:r>
+            <a:r>
+              <a:rPr lang="pt-BR" sz="1400" dirty="0">
+                <a:latin typeface="Arial" panose="020B0604020202020204" pitchFamily="34" charset="0"/>
+                <a:cs typeface="Arial" panose="020B0604020202020204" pitchFamily="34" charset="0"/>
+              </a:rPr>
+              <a:t> </a:t>
+            </a:r>
+            <a:r>
+              <a:rPr lang="pt-BR" sz="1400" dirty="0" err="1">
+                <a:latin typeface="Arial" panose="020B0604020202020204" pitchFamily="34" charset="0"/>
+                <a:cs typeface="Arial" panose="020B0604020202020204" pitchFamily="34" charset="0"/>
+              </a:rPr>
+              <a:t>azure</a:t>
+            </a:r>
+            <a:r>
+              <a:rPr lang="pt-BR" sz="1400" dirty="0">
+                <a:latin typeface="Arial" panose="020B0604020202020204" pitchFamily="34" charset="0"/>
+                <a:cs typeface="Arial" panose="020B0604020202020204" pitchFamily="34" charset="0"/>
+              </a:rPr>
+              <a:t> plataforma </a:t>
+            </a:r>
+            <a:r>
+              <a:rPr lang="pt-BR" sz="1400" dirty="0" err="1">
+                <a:latin typeface="Arial" panose="020B0604020202020204" pitchFamily="34" charset="0"/>
+                <a:cs typeface="Arial" panose="020B0604020202020204" pitchFamily="34" charset="0"/>
+              </a:rPr>
+              <a:t>because</a:t>
+            </a:r>
+            <a:r>
+              <a:rPr lang="pt-BR" sz="1400" dirty="0">
+                <a:latin typeface="Arial" panose="020B0604020202020204" pitchFamily="34" charset="0"/>
+                <a:cs typeface="Arial" panose="020B0604020202020204" pitchFamily="34" charset="0"/>
+              </a:rPr>
+              <a:t> </a:t>
+            </a:r>
+            <a:r>
+              <a:rPr lang="pt-BR" sz="1400" dirty="0" err="1">
+                <a:latin typeface="Arial" panose="020B0604020202020204" pitchFamily="34" charset="0"/>
+                <a:cs typeface="Arial" panose="020B0604020202020204" pitchFamily="34" charset="0"/>
+              </a:rPr>
+              <a:t>there</a:t>
+            </a:r>
+            <a:r>
+              <a:rPr lang="pt-BR" sz="1400" dirty="0">
+                <a:latin typeface="Arial" panose="020B0604020202020204" pitchFamily="34" charset="0"/>
+                <a:cs typeface="Arial" panose="020B0604020202020204" pitchFamily="34" charset="0"/>
+              </a:rPr>
+              <a:t> </a:t>
+            </a:r>
+            <a:r>
+              <a:rPr lang="pt-BR" sz="1400" dirty="0" err="1">
+                <a:latin typeface="Arial" panose="020B0604020202020204" pitchFamily="34" charset="0"/>
+                <a:cs typeface="Arial" panose="020B0604020202020204" pitchFamily="34" charset="0"/>
+              </a:rPr>
+              <a:t>may</a:t>
+            </a:r>
+            <a:r>
+              <a:rPr lang="pt-BR" sz="1400" dirty="0">
+                <a:latin typeface="Arial" panose="020B0604020202020204" pitchFamily="34" charset="0"/>
+                <a:cs typeface="Arial" panose="020B0604020202020204" pitchFamily="34" charset="0"/>
+              </a:rPr>
+              <a:t> </a:t>
+            </a:r>
+            <a:r>
+              <a:rPr lang="pt-BR" sz="1400" dirty="0" err="1">
+                <a:latin typeface="Arial" panose="020B0604020202020204" pitchFamily="34" charset="0"/>
+                <a:cs typeface="Arial" panose="020B0604020202020204" pitchFamily="34" charset="0"/>
+              </a:rPr>
+              <a:t>be</a:t>
+            </a:r>
+            <a:r>
+              <a:rPr lang="pt-BR" sz="1400" dirty="0">
+                <a:latin typeface="Arial" panose="020B0604020202020204" pitchFamily="34" charset="0"/>
+                <a:cs typeface="Arial" panose="020B0604020202020204" pitchFamily="34" charset="0"/>
+              </a:rPr>
+              <a:t> </a:t>
+            </a:r>
+            <a:r>
+              <a:rPr lang="pt-BR" sz="1400" dirty="0" err="1">
+                <a:latin typeface="Arial" panose="020B0604020202020204" pitchFamily="34" charset="0"/>
+                <a:cs typeface="Arial" panose="020B0604020202020204" pitchFamily="34" charset="0"/>
+              </a:rPr>
+              <a:t>higher</a:t>
+            </a:r>
+            <a:r>
+              <a:rPr lang="pt-BR" sz="1400" dirty="0">
+                <a:latin typeface="Arial" panose="020B0604020202020204" pitchFamily="34" charset="0"/>
+                <a:cs typeface="Arial" panose="020B0604020202020204" pitchFamily="34" charset="0"/>
+              </a:rPr>
+              <a:t> </a:t>
+            </a:r>
+            <a:r>
+              <a:rPr lang="pt-BR" sz="1400" dirty="0" err="1">
+                <a:latin typeface="Arial" panose="020B0604020202020204" pitchFamily="34" charset="0"/>
+                <a:cs typeface="Arial" panose="020B0604020202020204" pitchFamily="34" charset="0"/>
+              </a:rPr>
+              <a:t>availability</a:t>
+            </a:r>
+            <a:r>
+              <a:rPr lang="pt-BR" sz="1400" dirty="0">
+                <a:latin typeface="Arial" panose="020B0604020202020204" pitchFamily="34" charset="0"/>
+                <a:cs typeface="Arial" panose="020B0604020202020204" pitchFamily="34" charset="0"/>
+              </a:rPr>
+              <a:t> </a:t>
+            </a:r>
+            <a:r>
+              <a:rPr lang="pt-BR" sz="1400" dirty="0" err="1">
+                <a:latin typeface="Arial" panose="020B0604020202020204" pitchFamily="34" charset="0"/>
+                <a:cs typeface="Arial" panose="020B0604020202020204" pitchFamily="34" charset="0"/>
+              </a:rPr>
+              <a:t>of</a:t>
+            </a:r>
+            <a:r>
+              <a:rPr lang="pt-BR" sz="1400" dirty="0">
+                <a:latin typeface="Arial" panose="020B0604020202020204" pitchFamily="34" charset="0"/>
+                <a:cs typeface="Arial" panose="020B0604020202020204" pitchFamily="34" charset="0"/>
+              </a:rPr>
+              <a:t> </a:t>
+            </a:r>
+            <a:r>
+              <a:rPr lang="pt-BR" sz="1400" dirty="0" err="1">
+                <a:latin typeface="Arial" panose="020B0604020202020204" pitchFamily="34" charset="0"/>
+                <a:cs typeface="Arial" panose="020B0604020202020204" pitchFamily="34" charset="0"/>
+              </a:rPr>
+              <a:t>professionals</a:t>
+            </a:r>
+            <a:r>
+              <a:rPr lang="pt-BR" sz="1400" dirty="0">
+                <a:latin typeface="Arial" panose="020B0604020202020204" pitchFamily="34" charset="0"/>
+                <a:cs typeface="Arial" panose="020B0604020202020204" pitchFamily="34" charset="0"/>
+              </a:rPr>
+              <a:t> </a:t>
+            </a:r>
+            <a:r>
+              <a:rPr lang="pt-BR" sz="1400" dirty="0" err="1">
+                <a:latin typeface="Arial" panose="020B0604020202020204" pitchFamily="34" charset="0"/>
+                <a:cs typeface="Arial" panose="020B0604020202020204" pitchFamily="34" charset="0"/>
+              </a:rPr>
+              <a:t>skilled</a:t>
+            </a:r>
+            <a:r>
+              <a:rPr lang="pt-BR" sz="1400" dirty="0">
+                <a:latin typeface="Arial" panose="020B0604020202020204" pitchFamily="34" charset="0"/>
+                <a:cs typeface="Arial" panose="020B0604020202020204" pitchFamily="34" charset="0"/>
+              </a:rPr>
+              <a:t> in Microsoft Technologies </a:t>
+            </a:r>
+            <a:r>
+              <a:rPr lang="pt-BR" sz="1400" dirty="0" err="1">
+                <a:latin typeface="Arial" panose="020B0604020202020204" pitchFamily="34" charset="0"/>
+                <a:cs typeface="Arial" panose="020B0604020202020204" pitchFamily="34" charset="0"/>
+              </a:rPr>
+              <a:t>and</a:t>
+            </a:r>
+            <a:r>
+              <a:rPr lang="pt-BR" sz="1400" dirty="0">
+                <a:latin typeface="Arial" panose="020B0604020202020204" pitchFamily="34" charset="0"/>
+                <a:cs typeface="Arial" panose="020B0604020202020204" pitchFamily="34" charset="0"/>
+              </a:rPr>
+              <a:t> </a:t>
+            </a:r>
+            <a:r>
+              <a:rPr lang="pt-BR" sz="1400" dirty="0" err="1">
+                <a:latin typeface="Arial" panose="020B0604020202020204" pitchFamily="34" charset="0"/>
+                <a:cs typeface="Arial" panose="020B0604020202020204" pitchFamily="34" charset="0"/>
+              </a:rPr>
+              <a:t>this</a:t>
+            </a:r>
+            <a:r>
+              <a:rPr lang="pt-BR" sz="1400" dirty="0">
+                <a:latin typeface="Arial" panose="020B0604020202020204" pitchFamily="34" charset="0"/>
+                <a:cs typeface="Arial" panose="020B0604020202020204" pitchFamily="34" charset="0"/>
+              </a:rPr>
+              <a:t> </a:t>
+            </a:r>
+            <a:r>
+              <a:rPr lang="pt-BR" sz="1400" dirty="0" err="1">
+                <a:latin typeface="Arial" panose="020B0604020202020204" pitchFamily="34" charset="0"/>
+                <a:cs typeface="Arial" panose="020B0604020202020204" pitchFamily="34" charset="0"/>
+              </a:rPr>
+              <a:t>can</a:t>
+            </a:r>
+            <a:r>
+              <a:rPr lang="pt-BR" sz="1400" dirty="0">
+                <a:latin typeface="Arial" panose="020B0604020202020204" pitchFamily="34" charset="0"/>
+                <a:cs typeface="Arial" panose="020B0604020202020204" pitchFamily="34" charset="0"/>
+              </a:rPr>
+              <a:t> </a:t>
+            </a:r>
+            <a:r>
+              <a:rPr lang="pt-BR" sz="1400" dirty="0" err="1">
+                <a:latin typeface="Arial" panose="020B0604020202020204" pitchFamily="34" charset="0"/>
+                <a:cs typeface="Arial" panose="020B0604020202020204" pitchFamily="34" charset="0"/>
+              </a:rPr>
+              <a:t>sometimes</a:t>
+            </a:r>
+            <a:r>
+              <a:rPr lang="pt-BR" sz="1400" dirty="0">
+                <a:latin typeface="Arial" panose="020B0604020202020204" pitchFamily="34" charset="0"/>
+                <a:cs typeface="Arial" panose="020B0604020202020204" pitchFamily="34" charset="0"/>
+              </a:rPr>
+              <a:t> lead </a:t>
+            </a:r>
+            <a:r>
+              <a:rPr lang="pt-BR" sz="1400" dirty="0" err="1">
+                <a:latin typeface="Arial" panose="020B0604020202020204" pitchFamily="34" charset="0"/>
+                <a:cs typeface="Arial" panose="020B0604020202020204" pitchFamily="34" charset="0"/>
+              </a:rPr>
+              <a:t>lower</a:t>
+            </a:r>
+            <a:r>
+              <a:rPr lang="pt-BR" sz="1400" dirty="0">
+                <a:latin typeface="Arial" panose="020B0604020202020204" pitchFamily="34" charset="0"/>
+                <a:cs typeface="Arial" panose="020B0604020202020204" pitchFamily="34" charset="0"/>
+              </a:rPr>
+              <a:t> </a:t>
+            </a:r>
+            <a:r>
+              <a:rPr lang="pt-BR" sz="1400" dirty="0" err="1">
+                <a:latin typeface="Arial" panose="020B0604020202020204" pitchFamily="34" charset="0"/>
+                <a:cs typeface="Arial" panose="020B0604020202020204" pitchFamily="34" charset="0"/>
+              </a:rPr>
+              <a:t>recruitment</a:t>
+            </a:r>
+            <a:r>
+              <a:rPr lang="pt-BR" sz="1400" dirty="0">
+                <a:latin typeface="Arial" panose="020B0604020202020204" pitchFamily="34" charset="0"/>
+                <a:cs typeface="Arial" panose="020B0604020202020204" pitchFamily="34" charset="0"/>
+              </a:rPr>
+              <a:t> </a:t>
+            </a:r>
+            <a:r>
+              <a:rPr lang="pt-BR" sz="1400" dirty="0" err="1">
+                <a:latin typeface="Arial" panose="020B0604020202020204" pitchFamily="34" charset="0"/>
+                <a:cs typeface="Arial" panose="020B0604020202020204" pitchFamily="34" charset="0"/>
+              </a:rPr>
+              <a:t>costs</a:t>
+            </a:r>
+            <a:r>
+              <a:rPr lang="pt-BR" sz="1400" dirty="0">
+                <a:latin typeface="Arial" panose="020B0604020202020204" pitchFamily="34" charset="0"/>
+                <a:cs typeface="Arial" panose="020B0604020202020204" pitchFamily="34" charset="0"/>
+              </a:rPr>
+              <a:t>.</a:t>
+            </a:r>
+          </a:p>
+          <a:p>
+            <a:endParaRPr lang="pt-BR" sz="1400" dirty="0">
+              <a:latin typeface="Arial" panose="020B0604020202020204" pitchFamily="34" charset="0"/>
+              <a:cs typeface="Arial" panose="020B0604020202020204" pitchFamily="34" charset="0"/>
+            </a:endParaRPr>
+          </a:p>
+          <a:p>
+            <a:r>
+              <a:rPr lang="pt-BR" sz="1400" dirty="0">
+                <a:latin typeface="Arial" panose="020B0604020202020204" pitchFamily="34" charset="0"/>
+                <a:cs typeface="Arial" panose="020B0604020202020204" pitchFamily="34" charset="0"/>
+              </a:rPr>
+              <a:t>The Microsoft Stack </a:t>
+            </a:r>
+            <a:r>
+              <a:rPr lang="pt-BR" sz="1400" dirty="0" err="1">
+                <a:latin typeface="Arial" panose="020B0604020202020204" pitchFamily="34" charset="0"/>
+                <a:cs typeface="Arial" panose="020B0604020202020204" pitchFamily="34" charset="0"/>
+              </a:rPr>
+              <a:t>nowadays</a:t>
+            </a:r>
+            <a:r>
+              <a:rPr lang="pt-BR" sz="1400" dirty="0">
+                <a:latin typeface="Arial" panose="020B0604020202020204" pitchFamily="34" charset="0"/>
+                <a:cs typeface="Arial" panose="020B0604020202020204" pitchFamily="34" charset="0"/>
+              </a:rPr>
+              <a:t> </a:t>
+            </a:r>
+            <a:r>
+              <a:rPr lang="pt-BR" sz="1400" dirty="0" err="1">
+                <a:latin typeface="Arial" panose="020B0604020202020204" pitchFamily="34" charset="0"/>
+                <a:cs typeface="Arial" panose="020B0604020202020204" pitchFamily="34" charset="0"/>
+              </a:rPr>
+              <a:t>has</a:t>
+            </a:r>
+            <a:r>
+              <a:rPr lang="pt-BR" sz="1400" dirty="0">
+                <a:latin typeface="Arial" panose="020B0604020202020204" pitchFamily="34" charset="0"/>
+                <a:cs typeface="Arial" panose="020B0604020202020204" pitchFamily="34" charset="0"/>
+              </a:rPr>
+              <a:t> a complete </a:t>
+            </a:r>
+            <a:r>
+              <a:rPr lang="pt-BR" sz="1400" dirty="0" err="1">
+                <a:latin typeface="Arial" panose="020B0604020202020204" pitchFamily="34" charset="0"/>
+                <a:cs typeface="Arial" panose="020B0604020202020204" pitchFamily="34" charset="0"/>
+              </a:rPr>
+              <a:t>and</a:t>
+            </a:r>
+            <a:r>
+              <a:rPr lang="pt-BR" sz="1400" dirty="0">
+                <a:latin typeface="Arial" panose="020B0604020202020204" pitchFamily="34" charset="0"/>
+                <a:cs typeface="Arial" panose="020B0604020202020204" pitchFamily="34" charset="0"/>
+              </a:rPr>
+              <a:t> </a:t>
+            </a:r>
+            <a:r>
+              <a:rPr lang="pt-BR" sz="1400" dirty="0" err="1">
+                <a:latin typeface="Arial" panose="020B0604020202020204" pitchFamily="34" charset="0"/>
+                <a:cs typeface="Arial" panose="020B0604020202020204" pitchFamily="34" charset="0"/>
+              </a:rPr>
+              <a:t>robust</a:t>
+            </a:r>
+            <a:r>
+              <a:rPr lang="pt-BR" sz="1400" dirty="0">
+                <a:latin typeface="Arial" panose="020B0604020202020204" pitchFamily="34" charset="0"/>
+                <a:cs typeface="Arial" panose="020B0604020202020204" pitchFamily="34" charset="0"/>
+              </a:rPr>
+              <a:t> data Analytics plataforma.</a:t>
+            </a:r>
+          </a:p>
+          <a:p>
+            <a:endParaRPr lang="pt-BR" sz="1400" dirty="0">
+              <a:latin typeface="Arial" panose="020B0604020202020204" pitchFamily="34" charset="0"/>
+              <a:cs typeface="Arial" panose="020B0604020202020204" pitchFamily="34" charset="0"/>
+            </a:endParaRPr>
+          </a:p>
+          <a:p>
+            <a:r>
+              <a:rPr lang="pt-BR" sz="1400" dirty="0">
+                <a:latin typeface="Arial" panose="020B0604020202020204" pitchFamily="34" charset="0"/>
+                <a:cs typeface="Arial" panose="020B0604020202020204" pitchFamily="34" charset="0"/>
+              </a:rPr>
+              <a:t>When </a:t>
+            </a:r>
+            <a:r>
+              <a:rPr lang="pt-BR" sz="1400" dirty="0" err="1">
+                <a:latin typeface="Arial" panose="020B0604020202020204" pitchFamily="34" charset="0"/>
+                <a:cs typeface="Arial" panose="020B0604020202020204" pitchFamily="34" charset="0"/>
+              </a:rPr>
+              <a:t>we</a:t>
+            </a:r>
+            <a:r>
+              <a:rPr lang="pt-BR" sz="1400" dirty="0">
+                <a:latin typeface="Arial" panose="020B0604020202020204" pitchFamily="34" charset="0"/>
+                <a:cs typeface="Arial" panose="020B0604020202020204" pitchFamily="34" charset="0"/>
+              </a:rPr>
+              <a:t> </a:t>
+            </a:r>
+            <a:r>
+              <a:rPr lang="pt-BR" sz="1400" dirty="0" err="1">
+                <a:latin typeface="Arial" panose="020B0604020202020204" pitchFamily="34" charset="0"/>
+                <a:cs typeface="Arial" panose="020B0604020202020204" pitchFamily="34" charset="0"/>
+              </a:rPr>
+              <a:t>focus</a:t>
+            </a:r>
+            <a:r>
+              <a:rPr lang="pt-BR" sz="1400" dirty="0">
+                <a:latin typeface="Arial" panose="020B0604020202020204" pitchFamily="34" charset="0"/>
+                <a:cs typeface="Arial" panose="020B0604020202020204" pitchFamily="34" charset="0"/>
+              </a:rPr>
+              <a:t> </a:t>
+            </a:r>
+            <a:r>
+              <a:rPr lang="pt-BR" sz="1400" dirty="0" err="1">
+                <a:latin typeface="Arial" panose="020B0604020202020204" pitchFamily="34" charset="0"/>
+                <a:cs typeface="Arial" panose="020B0604020202020204" pitchFamily="34" charset="0"/>
+              </a:rPr>
+              <a:t>on</a:t>
+            </a:r>
+            <a:r>
+              <a:rPr lang="pt-BR" sz="1400" dirty="0">
+                <a:latin typeface="Arial" panose="020B0604020202020204" pitchFamily="34" charset="0"/>
+                <a:cs typeface="Arial" panose="020B0604020202020204" pitchFamily="34" charset="0"/>
+              </a:rPr>
+              <a:t> </a:t>
+            </a:r>
+            <a:r>
+              <a:rPr lang="pt-BR" sz="1400" dirty="0" err="1">
+                <a:latin typeface="Arial" panose="020B0604020202020204" pitchFamily="34" charset="0"/>
+                <a:cs typeface="Arial" panose="020B0604020202020204" pitchFamily="34" charset="0"/>
+              </a:rPr>
+              <a:t>provider</a:t>
+            </a:r>
+            <a:r>
+              <a:rPr lang="pt-BR" sz="1400" dirty="0">
+                <a:latin typeface="Arial" panose="020B0604020202020204" pitchFamily="34" charset="0"/>
+                <a:cs typeface="Arial" panose="020B0604020202020204" pitchFamily="34" charset="0"/>
+              </a:rPr>
+              <a:t> self-service </a:t>
+            </a:r>
+            <a:r>
+              <a:rPr lang="pt-BR" sz="1400" dirty="0" err="1">
+                <a:latin typeface="Arial" panose="020B0604020202020204" pitchFamily="34" charset="0"/>
+                <a:cs typeface="Arial" panose="020B0604020202020204" pitchFamily="34" charset="0"/>
+              </a:rPr>
+              <a:t>and</a:t>
+            </a:r>
+            <a:r>
+              <a:rPr lang="pt-BR" sz="1400" dirty="0">
+                <a:latin typeface="Arial" panose="020B0604020202020204" pitchFamily="34" charset="0"/>
+                <a:cs typeface="Arial" panose="020B0604020202020204" pitchFamily="34" charset="0"/>
+              </a:rPr>
+              <a:t> marketing </a:t>
+            </a:r>
+            <a:r>
+              <a:rPr lang="pt-BR" sz="1400" dirty="0" err="1">
+                <a:latin typeface="Arial" panose="020B0604020202020204" pitchFamily="34" charset="0"/>
+                <a:cs typeface="Arial" panose="020B0604020202020204" pitchFamily="34" charset="0"/>
+              </a:rPr>
+              <a:t>database</a:t>
+            </a:r>
+            <a:r>
+              <a:rPr lang="pt-BR" sz="1400" dirty="0">
+                <a:latin typeface="Arial" panose="020B0604020202020204" pitchFamily="34" charset="0"/>
+                <a:cs typeface="Arial" panose="020B0604020202020204" pitchFamily="34" charset="0"/>
+              </a:rPr>
+              <a:t> </a:t>
+            </a:r>
+            <a:r>
+              <a:rPr lang="pt-BR" sz="1400" dirty="0" err="1">
+                <a:latin typeface="Arial" panose="020B0604020202020204" pitchFamily="34" charset="0"/>
+                <a:cs typeface="Arial" panose="020B0604020202020204" pitchFamily="34" charset="0"/>
+              </a:rPr>
+              <a:t>platforms</a:t>
+            </a:r>
+            <a:r>
+              <a:rPr lang="pt-BR" sz="1400" dirty="0">
+                <a:latin typeface="Arial" panose="020B0604020202020204" pitchFamily="34" charset="0"/>
+                <a:cs typeface="Arial" panose="020B0604020202020204" pitchFamily="34" charset="0"/>
+              </a:rPr>
+              <a:t> for </a:t>
+            </a:r>
+            <a:r>
+              <a:rPr lang="pt-BR" sz="1400" dirty="0" err="1">
+                <a:latin typeface="Arial" panose="020B0604020202020204" pitchFamily="34" charset="0"/>
+                <a:cs typeface="Arial" panose="020B0604020202020204" pitchFamily="34" charset="0"/>
+              </a:rPr>
+              <a:t>key</a:t>
+            </a:r>
+            <a:r>
+              <a:rPr lang="pt-BR" sz="1400" dirty="0">
+                <a:latin typeface="Arial" panose="020B0604020202020204" pitchFamily="34" charset="0"/>
+                <a:cs typeface="Arial" panose="020B0604020202020204" pitchFamily="34" charset="0"/>
+              </a:rPr>
+              <a:t> </a:t>
+            </a:r>
+            <a:r>
+              <a:rPr lang="pt-BR" sz="1400" dirty="0" err="1">
+                <a:latin typeface="Arial" panose="020B0604020202020204" pitchFamily="34" charset="0"/>
+                <a:cs typeface="Arial" panose="020B0604020202020204" pitchFamily="34" charset="0"/>
+              </a:rPr>
+              <a:t>users</a:t>
+            </a:r>
+            <a:r>
+              <a:rPr lang="pt-BR" sz="1400" dirty="0">
+                <a:latin typeface="Arial" panose="020B0604020202020204" pitchFamily="34" charset="0"/>
+                <a:cs typeface="Arial" panose="020B0604020202020204" pitchFamily="34" charset="0"/>
+              </a:rPr>
+              <a:t> </a:t>
+            </a:r>
+            <a:r>
+              <a:rPr lang="pt-BR" sz="1400" dirty="0" err="1">
+                <a:latin typeface="Arial" panose="020B0604020202020204" pitchFamily="34" charset="0"/>
+                <a:cs typeface="Arial" panose="020B0604020202020204" pitchFamily="34" charset="0"/>
+              </a:rPr>
+              <a:t>with</a:t>
+            </a:r>
+            <a:r>
+              <a:rPr lang="pt-BR" sz="1400" dirty="0">
+                <a:latin typeface="Arial" panose="020B0604020202020204" pitchFamily="34" charset="0"/>
+                <a:cs typeface="Arial" panose="020B0604020202020204" pitchFamily="34" charset="0"/>
+              </a:rPr>
+              <a:t> </a:t>
+            </a:r>
+            <a:r>
+              <a:rPr lang="pt-BR" sz="1400" dirty="0" err="1">
+                <a:latin typeface="Arial" panose="020B0604020202020204" pitchFamily="34" charset="0"/>
+                <a:cs typeface="Arial" panose="020B0604020202020204" pitchFamily="34" charset="0"/>
+              </a:rPr>
+              <a:t>analytical</a:t>
+            </a:r>
+            <a:r>
+              <a:rPr lang="pt-BR" sz="1400" dirty="0">
+                <a:latin typeface="Arial" panose="020B0604020202020204" pitchFamily="34" charset="0"/>
+                <a:cs typeface="Arial" panose="020B0604020202020204" pitchFamily="34" charset="0"/>
+              </a:rPr>
+              <a:t> skills, Microsoft </a:t>
+            </a:r>
+            <a:r>
+              <a:rPr lang="pt-BR" sz="1400" dirty="0" err="1">
+                <a:latin typeface="Arial" panose="020B0604020202020204" pitchFamily="34" charset="0"/>
+                <a:cs typeface="Arial" panose="020B0604020202020204" pitchFamily="34" charset="0"/>
+              </a:rPr>
+              <a:t>offers</a:t>
+            </a:r>
+            <a:r>
+              <a:rPr lang="pt-BR" sz="1400" dirty="0">
+                <a:latin typeface="Arial" panose="020B0604020202020204" pitchFamily="34" charset="0"/>
+                <a:cs typeface="Arial" panose="020B0604020202020204" pitchFamily="34" charset="0"/>
+              </a:rPr>
+              <a:t> </a:t>
+            </a:r>
+            <a:r>
+              <a:rPr lang="pt-BR" sz="1400" dirty="0" err="1">
+                <a:latin typeface="Arial" panose="020B0604020202020204" pitchFamily="34" charset="0"/>
+                <a:cs typeface="Arial" panose="020B0604020202020204" pitchFamily="34" charset="0"/>
+              </a:rPr>
+              <a:t>lower</a:t>
+            </a:r>
+            <a:r>
+              <a:rPr lang="pt-BR" sz="1400" dirty="0">
+                <a:latin typeface="Arial" panose="020B0604020202020204" pitchFamily="34" charset="0"/>
+                <a:cs typeface="Arial" panose="020B0604020202020204" pitchFamily="34" charset="0"/>
+              </a:rPr>
+              <a:t> </a:t>
+            </a:r>
+            <a:r>
+              <a:rPr lang="pt-BR" sz="1400" dirty="0" err="1">
+                <a:latin typeface="Arial" panose="020B0604020202020204" pitchFamily="34" charset="0"/>
+                <a:cs typeface="Arial" panose="020B0604020202020204" pitchFamily="34" charset="0"/>
+              </a:rPr>
+              <a:t>costs</a:t>
+            </a:r>
+            <a:r>
+              <a:rPr lang="pt-BR" sz="1400" dirty="0">
+                <a:latin typeface="Arial" panose="020B0604020202020204" pitchFamily="34" charset="0"/>
+                <a:cs typeface="Arial" panose="020B0604020202020204" pitchFamily="34" charset="0"/>
+              </a:rPr>
+              <a:t> </a:t>
+            </a:r>
+            <a:r>
+              <a:rPr lang="pt-BR" sz="1400" dirty="0" err="1">
+                <a:latin typeface="Arial" panose="020B0604020202020204" pitchFamily="34" charset="0"/>
+                <a:cs typeface="Arial" panose="020B0604020202020204" pitchFamily="34" charset="0"/>
+              </a:rPr>
+              <a:t>and</a:t>
+            </a:r>
+            <a:r>
+              <a:rPr lang="pt-BR" sz="1400" dirty="0">
+                <a:latin typeface="Arial" panose="020B0604020202020204" pitchFamily="34" charset="0"/>
+                <a:cs typeface="Arial" panose="020B0604020202020204" pitchFamily="34" charset="0"/>
+              </a:rPr>
+              <a:t> a more </a:t>
+            </a:r>
+            <a:r>
+              <a:rPr lang="pt-BR" sz="1400" dirty="0" err="1">
+                <a:latin typeface="Arial" panose="020B0604020202020204" pitchFamily="34" charset="0"/>
+                <a:cs typeface="Arial" panose="020B0604020202020204" pitchFamily="34" charset="0"/>
+              </a:rPr>
+              <a:t>user-friendly</a:t>
+            </a:r>
+            <a:r>
+              <a:rPr lang="pt-BR" sz="1400" dirty="0">
+                <a:latin typeface="Arial" panose="020B0604020202020204" pitchFamily="34" charset="0"/>
+                <a:cs typeface="Arial" panose="020B0604020202020204" pitchFamily="34" charset="0"/>
+              </a:rPr>
+              <a:t> </a:t>
+            </a:r>
+            <a:r>
+              <a:rPr lang="pt-BR" sz="1400" dirty="0" err="1">
+                <a:latin typeface="Arial" panose="020B0604020202020204" pitchFamily="34" charset="0"/>
+                <a:cs typeface="Arial" panose="020B0604020202020204" pitchFamily="34" charset="0"/>
+              </a:rPr>
+              <a:t>platform</a:t>
+            </a:r>
+            <a:r>
+              <a:rPr lang="pt-BR" sz="1400" dirty="0">
+                <a:latin typeface="Arial" panose="020B0604020202020204" pitchFamily="34" charset="0"/>
+                <a:cs typeface="Arial" panose="020B0604020202020204" pitchFamily="34" charset="0"/>
+              </a:rPr>
+              <a:t>, </a:t>
+            </a:r>
+            <a:r>
+              <a:rPr lang="pt-BR" sz="1400" dirty="0" err="1">
+                <a:latin typeface="Arial" panose="020B0604020202020204" pitchFamily="34" charset="0"/>
+                <a:cs typeface="Arial" panose="020B0604020202020204" pitchFamily="34" charset="0"/>
+              </a:rPr>
+              <a:t>such</a:t>
+            </a:r>
+            <a:r>
+              <a:rPr lang="pt-BR" sz="1400" dirty="0">
+                <a:latin typeface="Arial" panose="020B0604020202020204" pitchFamily="34" charset="0"/>
+                <a:cs typeface="Arial" panose="020B0604020202020204" pitchFamily="34" charset="0"/>
+              </a:rPr>
+              <a:t> as Azure </a:t>
+            </a:r>
+            <a:r>
+              <a:rPr lang="pt-BR" sz="1400" dirty="0" err="1">
+                <a:latin typeface="Arial" panose="020B0604020202020204" pitchFamily="34" charset="0"/>
+                <a:cs typeface="Arial" panose="020B0604020202020204" pitchFamily="34" charset="0"/>
+              </a:rPr>
+              <a:t>Synapse</a:t>
+            </a:r>
+            <a:r>
+              <a:rPr lang="pt-BR" sz="1400" dirty="0">
+                <a:latin typeface="Arial" panose="020B0604020202020204" pitchFamily="34" charset="0"/>
+                <a:cs typeface="Arial" panose="020B0604020202020204" pitchFamily="34" charset="0"/>
+              </a:rPr>
+              <a:t> </a:t>
+            </a:r>
+            <a:r>
+              <a:rPr lang="pt-BR" sz="1400" dirty="0" err="1">
+                <a:latin typeface="Arial" panose="020B0604020202020204" pitchFamily="34" charset="0"/>
+                <a:cs typeface="Arial" panose="020B0604020202020204" pitchFamily="34" charset="0"/>
+              </a:rPr>
+              <a:t>and</a:t>
+            </a:r>
+            <a:r>
+              <a:rPr lang="pt-BR" sz="1400" dirty="0">
+                <a:latin typeface="Arial" panose="020B0604020202020204" pitchFamily="34" charset="0"/>
+                <a:cs typeface="Arial" panose="020B0604020202020204" pitchFamily="34" charset="0"/>
+              </a:rPr>
+              <a:t> Microsoft </a:t>
+            </a:r>
+            <a:r>
+              <a:rPr lang="pt-BR" sz="1400" dirty="0" err="1">
+                <a:latin typeface="Arial" panose="020B0604020202020204" pitchFamily="34" charset="0"/>
+                <a:cs typeface="Arial" panose="020B0604020202020204" pitchFamily="34" charset="0"/>
+              </a:rPr>
+              <a:t>Analysis</a:t>
+            </a:r>
+            <a:r>
+              <a:rPr lang="pt-BR" sz="1400" dirty="0">
+                <a:latin typeface="Arial" panose="020B0604020202020204" pitchFamily="34" charset="0"/>
+                <a:cs typeface="Arial" panose="020B0604020202020204" pitchFamily="34" charset="0"/>
+              </a:rPr>
+              <a:t> Services Tabular. </a:t>
+            </a:r>
+          </a:p>
+          <a:p>
+            <a:endParaRPr lang="pt-BR" sz="1400" dirty="0">
+              <a:latin typeface="Arial" panose="020B0604020202020204" pitchFamily="34" charset="0"/>
+              <a:cs typeface="Arial" panose="020B0604020202020204" pitchFamily="34" charset="0"/>
+            </a:endParaRPr>
+          </a:p>
+        </p:txBody>
+      </p:sp>
+      <p:pic>
+        <p:nvPicPr>
+          <p:cNvPr id="1028" name="Picture 4" descr="Azure Cloud Services : Rising Market Share Growth and Innovative Solutions  Drive Success.">
+            <a:extLst>
+              <a:ext uri="{FF2B5EF4-FFF2-40B4-BE49-F238E27FC236}">
+                <a16:creationId xmlns:a16="http://schemas.microsoft.com/office/drawing/2014/main" id="{F49D3F42-ECAD-3F1C-8195-8F2B6BC7860A}"/>
+              </a:ext>
+            </a:extLst>
+          </p:cNvPr>
+          <p:cNvPicPr>
+            <a:picLocks noChangeAspect="1" noChangeArrowheads="1"/>
+          </p:cNvPicPr>
+          <p:nvPr/>
+        </p:nvPicPr>
+        <p:blipFill>
+          <a:blip r:embed="rId2">
+            <a:extLst>
+              <a:ext uri="{28A0092B-C50C-407E-A947-70E740481C1C}">
+                <a14:useLocalDpi xmlns:a14="http://schemas.microsoft.com/office/drawing/2010/main" val="0"/>
+              </a:ext>
+            </a:extLst>
+          </a:blip>
+          <a:srcRect/>
+          <a:stretch>
+            <a:fillRect/>
+          </a:stretch>
+        </p:blipFill>
+        <p:spPr bwMode="auto">
+          <a:xfrm>
+            <a:off x="73890" y="1295400"/>
+            <a:ext cx="3429000" cy="3429000"/>
+          </a:xfrm>
+          <a:prstGeom prst="rect">
+            <a:avLst/>
+          </a:prstGeom>
+          <a:noFill/>
+          <a:extLst>
+            <a:ext uri="{909E8E84-426E-40DD-AFC4-6F175D3DCCD1}">
+              <a14:hiddenFill xmlns:a14="http://schemas.microsoft.com/office/drawing/2010/main">
+                <a:solidFill>
+                  <a:srgbClr val="FFFFFF"/>
+                </a:solidFill>
+              </a14:hiddenFill>
+            </a:ext>
+          </a:extLst>
+        </p:spPr>
+      </p:pic>
+      <p:sp>
+        <p:nvSpPr>
+          <p:cNvPr id="3" name="CaixaDeTexto 2">
+            <a:extLst>
+              <a:ext uri="{FF2B5EF4-FFF2-40B4-BE49-F238E27FC236}">
+                <a16:creationId xmlns:a16="http://schemas.microsoft.com/office/drawing/2014/main" id="{A77A3277-B173-626C-74EE-20D62981B604}"/>
+              </a:ext>
+            </a:extLst>
+          </p:cNvPr>
+          <p:cNvSpPr txBox="1"/>
+          <p:nvPr/>
+        </p:nvSpPr>
+        <p:spPr>
+          <a:xfrm>
+            <a:off x="3609430" y="3346612"/>
+            <a:ext cx="2667525" cy="2031325"/>
+          </a:xfrm>
+          <a:prstGeom prst="rect">
+            <a:avLst/>
+          </a:prstGeom>
+          <a:noFill/>
+        </p:spPr>
+        <p:txBody>
+          <a:bodyPr wrap="square">
+            <a:spAutoFit/>
+          </a:bodyPr>
+          <a:lstStyle/>
+          <a:p>
+            <a:endParaRPr lang="pt-BR" sz="1400" dirty="0">
+              <a:latin typeface="Arial" panose="020B0604020202020204" pitchFamily="34" charset="0"/>
+              <a:cs typeface="Arial" panose="020B0604020202020204" pitchFamily="34" charset="0"/>
+            </a:endParaRPr>
+          </a:p>
+          <a:p>
+            <a:pPr>
+              <a:buFont typeface="Arial" panose="020B0604020202020204" pitchFamily="34" charset="0"/>
+              <a:buChar char="•"/>
+            </a:pPr>
+            <a:r>
+              <a:rPr lang="pt-BR" sz="1400" b="1" dirty="0">
+                <a:latin typeface="Arial" panose="020B0604020202020204" pitchFamily="34" charset="0"/>
+                <a:cs typeface="Arial" panose="020B0604020202020204" pitchFamily="34" charset="0"/>
+              </a:rPr>
+              <a:t>Cloud Services:</a:t>
+            </a:r>
+          </a:p>
+          <a:p>
+            <a:pPr lvl="1">
+              <a:buFont typeface="Arial" panose="020B0604020202020204" pitchFamily="34" charset="0"/>
+              <a:buChar char="•"/>
+            </a:pPr>
+            <a:r>
+              <a:rPr lang="pt-BR" sz="1400" b="1" dirty="0">
+                <a:latin typeface="Arial" panose="020B0604020202020204" pitchFamily="34" charset="0"/>
+                <a:cs typeface="Arial" panose="020B0604020202020204" pitchFamily="34" charset="0"/>
+              </a:rPr>
+              <a:t> Azure</a:t>
+            </a:r>
+            <a:r>
+              <a:rPr lang="pt-BR" sz="1400" dirty="0">
+                <a:latin typeface="Arial" panose="020B0604020202020204" pitchFamily="34" charset="0"/>
+                <a:cs typeface="Arial" panose="020B0604020202020204" pitchFamily="34" charset="0"/>
+              </a:rPr>
+              <a:t> 100% </a:t>
+            </a:r>
+            <a:r>
+              <a:rPr lang="pt-BR" sz="1400" dirty="0" err="1">
+                <a:latin typeface="Arial" panose="020B0604020202020204" pitchFamily="34" charset="0"/>
+                <a:cs typeface="Arial" panose="020B0604020202020204" pitchFamily="34" charset="0"/>
+              </a:rPr>
+              <a:t>Paas</a:t>
+            </a:r>
+            <a:r>
+              <a:rPr lang="pt-BR" sz="1400" dirty="0">
+                <a:latin typeface="Arial" panose="020B0604020202020204" pitchFamily="34" charset="0"/>
+                <a:cs typeface="Arial" panose="020B0604020202020204" pitchFamily="34" charset="0"/>
+              </a:rPr>
+              <a:t>.</a:t>
+            </a:r>
+          </a:p>
+          <a:p>
+            <a:pPr>
+              <a:buFont typeface="Arial" panose="020B0604020202020204" pitchFamily="34" charset="0"/>
+              <a:buChar char="•"/>
+            </a:pPr>
+            <a:endParaRPr lang="pt-BR" sz="1400" b="1" dirty="0">
+              <a:latin typeface="Arial" panose="020B0604020202020204" pitchFamily="34" charset="0"/>
+              <a:cs typeface="Arial" panose="020B0604020202020204" pitchFamily="34" charset="0"/>
+            </a:endParaRPr>
+          </a:p>
+          <a:p>
+            <a:pPr>
+              <a:buFont typeface="Arial" panose="020B0604020202020204" pitchFamily="34" charset="0"/>
+              <a:buChar char="•"/>
+            </a:pPr>
+            <a:r>
+              <a:rPr lang="pt-BR" sz="1400" b="1" dirty="0">
+                <a:latin typeface="Arial" panose="020B0604020202020204" pitchFamily="34" charset="0"/>
+                <a:cs typeface="Arial" panose="020B0604020202020204" pitchFamily="34" charset="0"/>
+              </a:rPr>
+              <a:t>Data </a:t>
+            </a:r>
+            <a:r>
+              <a:rPr lang="pt-BR" sz="1400" b="1" dirty="0" err="1">
+                <a:latin typeface="Arial" panose="020B0604020202020204" pitchFamily="34" charset="0"/>
+                <a:cs typeface="Arial" panose="020B0604020202020204" pitchFamily="34" charset="0"/>
+              </a:rPr>
+              <a:t>Ingestion</a:t>
+            </a:r>
+            <a:r>
+              <a:rPr lang="pt-BR" sz="1400" b="1" dirty="0">
+                <a:latin typeface="Arial" panose="020B0604020202020204" pitchFamily="34" charset="0"/>
+                <a:cs typeface="Arial" panose="020B0604020202020204" pitchFamily="34" charset="0"/>
+              </a:rPr>
+              <a:t> Tools:</a:t>
+            </a:r>
+          </a:p>
+          <a:p>
+            <a:pPr lvl="1">
+              <a:buFont typeface="Arial" panose="020B0604020202020204" pitchFamily="34" charset="0"/>
+              <a:buChar char="•"/>
+            </a:pPr>
+            <a:r>
+              <a:rPr lang="pt-BR" sz="1400" dirty="0">
+                <a:latin typeface="Arial" panose="020B0604020202020204" pitchFamily="34" charset="0"/>
+                <a:cs typeface="Arial" panose="020B0604020202020204" pitchFamily="34" charset="0"/>
+              </a:rPr>
+              <a:t>Azure Data </a:t>
+            </a:r>
+            <a:r>
+              <a:rPr lang="pt-BR" sz="1400" dirty="0" err="1">
+                <a:latin typeface="Arial" panose="020B0604020202020204" pitchFamily="34" charset="0"/>
+                <a:cs typeface="Arial" panose="020B0604020202020204" pitchFamily="34" charset="0"/>
+              </a:rPr>
+              <a:t>Factory</a:t>
+            </a:r>
+            <a:r>
+              <a:rPr lang="pt-BR" sz="1400" dirty="0">
+                <a:latin typeface="Arial" panose="020B0604020202020204" pitchFamily="34" charset="0"/>
+                <a:cs typeface="Arial" panose="020B0604020202020204" pitchFamily="34" charset="0"/>
+              </a:rPr>
+              <a:t> </a:t>
+            </a:r>
+          </a:p>
+          <a:p>
+            <a:pPr lvl="1">
+              <a:buFont typeface="Arial" panose="020B0604020202020204" pitchFamily="34" charset="0"/>
+              <a:buChar char="•"/>
+            </a:pPr>
+            <a:r>
+              <a:rPr lang="pt-BR" sz="1400" dirty="0">
+                <a:latin typeface="Arial" panose="020B0604020202020204" pitchFamily="34" charset="0"/>
+                <a:cs typeface="Arial" panose="020B0604020202020204" pitchFamily="34" charset="0"/>
+              </a:rPr>
+              <a:t>Azure Event Hubs</a:t>
+            </a:r>
+          </a:p>
+          <a:p>
+            <a:pPr lvl="1">
+              <a:buFont typeface="Arial" panose="020B0604020202020204" pitchFamily="34" charset="0"/>
+              <a:buChar char="•"/>
+            </a:pPr>
+            <a:r>
+              <a:rPr lang="pt-BR" sz="1400" dirty="0">
+                <a:latin typeface="Arial" panose="020B0604020202020204" pitchFamily="34" charset="0"/>
+                <a:cs typeface="Arial" panose="020B0604020202020204" pitchFamily="34" charset="0"/>
+              </a:rPr>
+              <a:t>Azure </a:t>
+            </a:r>
+            <a:r>
+              <a:rPr lang="pt-BR" sz="1400" dirty="0" err="1">
+                <a:latin typeface="Arial" panose="020B0604020202020204" pitchFamily="34" charset="0"/>
+                <a:cs typeface="Arial" panose="020B0604020202020204" pitchFamily="34" charset="0"/>
+              </a:rPr>
+              <a:t>Functions</a:t>
+            </a:r>
+            <a:endParaRPr lang="pt-BR" sz="1400" dirty="0">
+              <a:latin typeface="Arial" panose="020B0604020202020204" pitchFamily="34" charset="0"/>
+              <a:cs typeface="Arial" panose="020B0604020202020204" pitchFamily="34" charset="0"/>
+            </a:endParaRPr>
+          </a:p>
+          <a:p>
+            <a:pPr lvl="1"/>
+            <a:endParaRPr lang="pt-BR" sz="1400" dirty="0">
+              <a:latin typeface="Arial" panose="020B0604020202020204" pitchFamily="34" charset="0"/>
+              <a:cs typeface="Arial" panose="020B0604020202020204" pitchFamily="34" charset="0"/>
+            </a:endParaRPr>
+          </a:p>
+        </p:txBody>
+      </p:sp>
+      <p:sp>
+        <p:nvSpPr>
+          <p:cNvPr id="6" name="CaixaDeTexto 5">
+            <a:extLst>
+              <a:ext uri="{FF2B5EF4-FFF2-40B4-BE49-F238E27FC236}">
+                <a16:creationId xmlns:a16="http://schemas.microsoft.com/office/drawing/2014/main" id="{33B3421F-8832-71E8-C968-66EA9F949D7F}"/>
+              </a:ext>
+            </a:extLst>
+          </p:cNvPr>
+          <p:cNvSpPr txBox="1"/>
+          <p:nvPr/>
+        </p:nvSpPr>
+        <p:spPr>
+          <a:xfrm>
+            <a:off x="7061703" y="3328304"/>
+            <a:ext cx="4065006" cy="2677656"/>
+          </a:xfrm>
+          <a:prstGeom prst="rect">
+            <a:avLst/>
+          </a:prstGeom>
+          <a:noFill/>
+        </p:spPr>
+        <p:txBody>
+          <a:bodyPr wrap="square">
+            <a:spAutoFit/>
+          </a:bodyPr>
+          <a:lstStyle/>
+          <a:p>
+            <a:pPr lvl="1"/>
+            <a:endParaRPr lang="pt-BR" sz="1400" dirty="0">
+              <a:latin typeface="Arial" panose="020B0604020202020204" pitchFamily="34" charset="0"/>
+              <a:cs typeface="Arial" panose="020B0604020202020204" pitchFamily="34" charset="0"/>
+            </a:endParaRPr>
+          </a:p>
+          <a:p>
+            <a:pPr>
+              <a:buFont typeface="Arial" panose="020B0604020202020204" pitchFamily="34" charset="0"/>
+              <a:buChar char="•"/>
+            </a:pPr>
+            <a:r>
+              <a:rPr lang="pt-BR" sz="1400" b="1" dirty="0" err="1">
+                <a:latin typeface="Arial" panose="020B0604020202020204" pitchFamily="34" charset="0"/>
+                <a:cs typeface="Arial" panose="020B0604020202020204" pitchFamily="34" charset="0"/>
+              </a:rPr>
+              <a:t>Storage</a:t>
+            </a:r>
+            <a:r>
+              <a:rPr lang="pt-BR" sz="1400" b="1" dirty="0">
+                <a:latin typeface="Arial" panose="020B0604020202020204" pitchFamily="34" charset="0"/>
+                <a:cs typeface="Arial" panose="020B0604020202020204" pitchFamily="34" charset="0"/>
+              </a:rPr>
+              <a:t> </a:t>
+            </a:r>
+            <a:r>
+              <a:rPr lang="pt-BR" sz="1400" b="1" dirty="0" err="1">
+                <a:latin typeface="Arial" panose="020B0604020202020204" pitchFamily="34" charset="0"/>
+                <a:cs typeface="Arial" panose="020B0604020202020204" pitchFamily="34" charset="0"/>
+              </a:rPr>
+              <a:t>Solutions</a:t>
+            </a:r>
+            <a:r>
+              <a:rPr lang="pt-BR" sz="1400" b="1" dirty="0">
+                <a:latin typeface="Arial" panose="020B0604020202020204" pitchFamily="34" charset="0"/>
+                <a:cs typeface="Arial" panose="020B0604020202020204" pitchFamily="34" charset="0"/>
+              </a:rPr>
+              <a:t>:</a:t>
+            </a:r>
+          </a:p>
+          <a:p>
+            <a:pPr lvl="1">
+              <a:buFont typeface="Arial" panose="020B0604020202020204" pitchFamily="34" charset="0"/>
+              <a:buChar char="•"/>
+            </a:pPr>
+            <a:r>
+              <a:rPr lang="pt-BR" sz="1400" dirty="0">
+                <a:latin typeface="Arial" panose="020B0604020202020204" pitchFamily="34" charset="0"/>
+                <a:cs typeface="Arial" panose="020B0604020202020204" pitchFamily="34" charset="0"/>
+              </a:rPr>
+              <a:t>Azure Data Lake </a:t>
+            </a:r>
+            <a:r>
+              <a:rPr lang="pt-BR" sz="1400" dirty="0" err="1">
+                <a:latin typeface="Arial" panose="020B0604020202020204" pitchFamily="34" charset="0"/>
+                <a:cs typeface="Arial" panose="020B0604020202020204" pitchFamily="34" charset="0"/>
+              </a:rPr>
+              <a:t>Storage</a:t>
+            </a:r>
+            <a:r>
+              <a:rPr lang="pt-BR" sz="1400" dirty="0">
+                <a:latin typeface="Arial" panose="020B0604020202020204" pitchFamily="34" charset="0"/>
+                <a:cs typeface="Arial" panose="020B0604020202020204" pitchFamily="34" charset="0"/>
+              </a:rPr>
+              <a:t> (GEN2).</a:t>
+            </a:r>
+          </a:p>
+          <a:p>
+            <a:pPr lvl="1">
+              <a:buFont typeface="Arial" panose="020B0604020202020204" pitchFamily="34" charset="0"/>
+              <a:buChar char="•"/>
+            </a:pPr>
+            <a:r>
+              <a:rPr lang="pt-BR" sz="1400" dirty="0" err="1">
+                <a:latin typeface="Arial" panose="020B0604020202020204" pitchFamily="34" charset="0"/>
+                <a:cs typeface="Arial" panose="020B0604020202020204" pitchFamily="34" charset="0"/>
+              </a:rPr>
+              <a:t>DataBricks</a:t>
+            </a:r>
+            <a:r>
+              <a:rPr lang="pt-BR" sz="1400" dirty="0">
+                <a:latin typeface="Arial" panose="020B0604020202020204" pitchFamily="34" charset="0"/>
+                <a:cs typeface="Arial" panose="020B0604020202020204" pitchFamily="34" charset="0"/>
+              </a:rPr>
+              <a:t> Delta Lake</a:t>
+            </a:r>
+          </a:p>
+          <a:p>
+            <a:pPr>
+              <a:buFont typeface="Arial" panose="020B0604020202020204" pitchFamily="34" charset="0"/>
+              <a:buChar char="•"/>
+            </a:pPr>
+            <a:endParaRPr lang="pt-BR" sz="1400" b="1" dirty="0">
+              <a:latin typeface="Arial" panose="020B0604020202020204" pitchFamily="34" charset="0"/>
+              <a:cs typeface="Arial" panose="020B0604020202020204" pitchFamily="34" charset="0"/>
+            </a:endParaRPr>
+          </a:p>
+          <a:p>
+            <a:pPr>
+              <a:buFont typeface="Arial" panose="020B0604020202020204" pitchFamily="34" charset="0"/>
+              <a:buChar char="•"/>
+            </a:pPr>
+            <a:r>
+              <a:rPr lang="pt-BR" sz="1400" b="1" dirty="0" err="1">
+                <a:latin typeface="Arial" panose="020B0604020202020204" pitchFamily="34" charset="0"/>
+                <a:cs typeface="Arial" panose="020B0604020202020204" pitchFamily="34" charset="0"/>
+              </a:rPr>
+              <a:t>Processing</a:t>
+            </a:r>
+            <a:r>
+              <a:rPr lang="pt-BR" sz="1400" b="1" dirty="0">
+                <a:latin typeface="Arial" panose="020B0604020202020204" pitchFamily="34" charset="0"/>
+                <a:cs typeface="Arial" panose="020B0604020202020204" pitchFamily="34" charset="0"/>
+              </a:rPr>
+              <a:t> </a:t>
+            </a:r>
+            <a:r>
+              <a:rPr lang="pt-BR" sz="1400" b="1" dirty="0" err="1">
+                <a:latin typeface="Arial" panose="020B0604020202020204" pitchFamily="34" charset="0"/>
+                <a:cs typeface="Arial" panose="020B0604020202020204" pitchFamily="34" charset="0"/>
+              </a:rPr>
+              <a:t>Engines</a:t>
+            </a:r>
+            <a:r>
+              <a:rPr lang="pt-BR" sz="1400" b="1" dirty="0">
+                <a:latin typeface="Arial" panose="020B0604020202020204" pitchFamily="34" charset="0"/>
+                <a:cs typeface="Arial" panose="020B0604020202020204" pitchFamily="34" charset="0"/>
+              </a:rPr>
+              <a:t>:</a:t>
+            </a:r>
+          </a:p>
+          <a:p>
+            <a:pPr lvl="1">
+              <a:buFont typeface="Arial" panose="020B0604020202020204" pitchFamily="34" charset="0"/>
+              <a:buChar char="•"/>
+            </a:pPr>
+            <a:r>
+              <a:rPr lang="pt-BR" sz="1400" dirty="0">
+                <a:latin typeface="Arial" panose="020B0604020202020204" pitchFamily="34" charset="0"/>
+                <a:cs typeface="Arial" panose="020B0604020202020204" pitchFamily="34" charset="0"/>
+              </a:rPr>
+              <a:t>Azure </a:t>
+            </a:r>
+            <a:r>
+              <a:rPr lang="pt-BR" sz="1400" dirty="0" err="1">
+                <a:latin typeface="Arial" panose="020B0604020202020204" pitchFamily="34" charset="0"/>
+                <a:cs typeface="Arial" panose="020B0604020202020204" pitchFamily="34" charset="0"/>
+              </a:rPr>
+              <a:t>Databricks</a:t>
+            </a:r>
+            <a:endParaRPr lang="pt-BR" sz="1400" dirty="0">
+              <a:latin typeface="Arial" panose="020B0604020202020204" pitchFamily="34" charset="0"/>
+              <a:cs typeface="Arial" panose="020B0604020202020204" pitchFamily="34" charset="0"/>
+            </a:endParaRPr>
+          </a:p>
+          <a:p>
+            <a:pPr lvl="1">
+              <a:buFont typeface="Arial" panose="020B0604020202020204" pitchFamily="34" charset="0"/>
+              <a:buChar char="•"/>
+            </a:pPr>
+            <a:r>
+              <a:rPr lang="pt-BR" sz="1400" dirty="0">
+                <a:latin typeface="Arial" panose="020B0604020202020204" pitchFamily="34" charset="0"/>
+                <a:cs typeface="Arial" panose="020B0604020202020204" pitchFamily="34" charset="0"/>
+              </a:rPr>
+              <a:t>Azure </a:t>
+            </a:r>
+            <a:r>
+              <a:rPr lang="pt-BR" sz="1400" dirty="0" err="1">
+                <a:latin typeface="Arial" panose="020B0604020202020204" pitchFamily="34" charset="0"/>
+                <a:cs typeface="Arial" panose="020B0604020202020204" pitchFamily="34" charset="0"/>
+              </a:rPr>
+              <a:t>Synapse</a:t>
+            </a:r>
+            <a:r>
+              <a:rPr lang="pt-BR" sz="1400" dirty="0">
+                <a:latin typeface="Arial" panose="020B0604020202020204" pitchFamily="34" charset="0"/>
+                <a:cs typeface="Arial" panose="020B0604020202020204" pitchFamily="34" charset="0"/>
+              </a:rPr>
+              <a:t> Analytics.</a:t>
+            </a:r>
+          </a:p>
+          <a:p>
+            <a:pPr>
+              <a:buFont typeface="Arial" panose="020B0604020202020204" pitchFamily="34" charset="0"/>
+              <a:buChar char="•"/>
+            </a:pPr>
+            <a:endParaRPr lang="pt-BR" sz="1400" b="1" dirty="0">
+              <a:latin typeface="Arial" panose="020B0604020202020204" pitchFamily="34" charset="0"/>
+              <a:cs typeface="Arial" panose="020B0604020202020204" pitchFamily="34" charset="0"/>
+            </a:endParaRPr>
+          </a:p>
+          <a:p>
+            <a:pPr>
+              <a:buFont typeface="Arial" panose="020B0604020202020204" pitchFamily="34" charset="0"/>
+              <a:buChar char="•"/>
+            </a:pPr>
+            <a:r>
+              <a:rPr lang="pt-BR" sz="1400" b="1" dirty="0">
+                <a:latin typeface="Arial" panose="020B0604020202020204" pitchFamily="34" charset="0"/>
+                <a:cs typeface="Arial" panose="020B0604020202020204" pitchFamily="34" charset="0"/>
+              </a:rPr>
+              <a:t>Analytics &amp; BI Tools:</a:t>
+            </a:r>
+          </a:p>
+          <a:p>
+            <a:pPr lvl="1">
+              <a:buFont typeface="Arial" panose="020B0604020202020204" pitchFamily="34" charset="0"/>
+              <a:buChar char="•"/>
+            </a:pPr>
+            <a:r>
+              <a:rPr lang="pt-BR" sz="1400" dirty="0" err="1">
+                <a:latin typeface="Arial" panose="020B0604020202020204" pitchFamily="34" charset="0"/>
+                <a:cs typeface="Arial" panose="020B0604020202020204" pitchFamily="34" charset="0"/>
+              </a:rPr>
+              <a:t>Analysis</a:t>
+            </a:r>
+            <a:r>
+              <a:rPr lang="pt-BR" sz="1400" dirty="0">
+                <a:latin typeface="Arial" panose="020B0604020202020204" pitchFamily="34" charset="0"/>
+                <a:cs typeface="Arial" panose="020B0604020202020204" pitchFamily="34" charset="0"/>
+              </a:rPr>
+              <a:t> Services Tabular.</a:t>
+            </a:r>
+          </a:p>
+          <a:p>
+            <a:pPr lvl="1">
+              <a:buFont typeface="Arial" panose="020B0604020202020204" pitchFamily="34" charset="0"/>
+              <a:buChar char="•"/>
+            </a:pPr>
+            <a:r>
+              <a:rPr lang="pt-BR" sz="1400" dirty="0">
+                <a:latin typeface="Arial" panose="020B0604020202020204" pitchFamily="34" charset="0"/>
+                <a:cs typeface="Arial" panose="020B0604020202020204" pitchFamily="34" charset="0"/>
+              </a:rPr>
+              <a:t>Power BI, </a:t>
+            </a:r>
+            <a:endParaRPr lang="pt-BR" dirty="0">
+              <a:latin typeface="Arial" panose="020B0604020202020204" pitchFamily="34" charset="0"/>
+              <a:cs typeface="Arial" panose="020B0604020202020204" pitchFamily="34" charset="0"/>
+            </a:endParaRPr>
+          </a:p>
+        </p:txBody>
+      </p:sp>
+    </p:spTree>
+    <p:extLst>
+      <p:ext uri="{BB962C8B-B14F-4D97-AF65-F5344CB8AC3E}">
+        <p14:creationId xmlns:p14="http://schemas.microsoft.com/office/powerpoint/2010/main" val="1939269916"/>
+      </p:ext>
+    </p:extLst>
+  </p:cSld>
+  <p:clrMapOvr>
+    <a:masterClrMapping/>
+  </p:clrMapOvr>
+</p:sld>
+</file>
+
+<file path=ppt/slides/slide4.xml><?xml version="1.0" encoding="utf-8"?>
+<p:sld xmlns:a="http://schemas.openxmlformats.org/drawingml/2006/main" xmlns:r="http://schemas.openxmlformats.org/officeDocument/2006/relationships" xmlns:p="http://schemas.openxmlformats.org/presentationml/2006/main">
+  <p:cSld>
+    <p:spTree>
+      <p:nvGrpSpPr>
+        <p:cNvPr id="1" name=""/>
+        <p:cNvGrpSpPr/>
+        <p:nvPr/>
+      </p:nvGrpSpPr>
+      <p:grpSpPr>
+        <a:xfrm>
+          <a:off x="0" y="0"/>
+          <a:ext cx="0" cy="0"/>
+          <a:chOff x="0" y="0"/>
+          <a:chExt cx="0" cy="0"/>
+        </a:xfrm>
+      </p:grpSpPr>
+      <p:sp>
+        <p:nvSpPr>
           <p:cNvPr id="5" name="CaixaDeTexto 4">
             <a:extLst>
               <a:ext uri="{FF2B5EF4-FFF2-40B4-BE49-F238E27FC236}">
@@ -3686,7 +4986,7 @@
         <p:spPr>
           <a:xfrm>
             <a:off x="3429000" y="797510"/>
-            <a:ext cx="8334375" cy="6001643"/>
+            <a:ext cx="8334375" cy="5047536"/>
           </a:xfrm>
           <a:prstGeom prst="rect">
             <a:avLst/>
@@ -3697,377 +4997,368 @@
           <a:bodyPr wrap="square">
             <a:spAutoFit/>
           </a:bodyPr>
-          <a:lstStyle/>
-          <a:p>
-            <a:pPr>
-              <a:buFont typeface="Arial" panose="020B0604020202020204" pitchFamily="34" charset="0"/>
-              <a:buChar char="•"/>
-            </a:pPr>
-            <a:r>
-              <a:rPr lang="en-US" sz="1600" b="1"/>
+          <a:lstStyle>
+            <a:defPPr>
+              <a:defRPr lang="en-US"/>
+            </a:defPPr>
+            <a:lvl1pPr>
+              <a:defRPr sz="1400" b="1">
+                <a:latin typeface="Arial" panose="020B0604020202020204" pitchFamily="34" charset="0"/>
+                <a:cs typeface="Arial" panose="020B0604020202020204" pitchFamily="34" charset="0"/>
+              </a:defRPr>
+            </a:lvl1pPr>
+          </a:lstStyle>
+          <a:p>
+            <a:r>
+              <a:rPr lang="en-US" dirty="0"/>
               <a:t>Scalability:</a:t>
             </a:r>
-            <a:endParaRPr lang="en-US" sz="1600"/>
-          </a:p>
-          <a:p>
-            <a:pPr marL="742950" lvl="1" indent="-285750" algn="just">
-              <a:buFont typeface="Arial" panose="020B0604020202020204" pitchFamily="34" charset="0"/>
-              <a:buChar char="•"/>
-            </a:pPr>
-            <a:r>
-              <a:rPr lang="en-US" sz="1600"/>
-              <a:t>The architecture supports Azure's elastic scaling capabilities to handle increased transaction volumes seamlessly. Focuns on ETL ou ELT as Code using PySpark on DataBricks is possible increase de computer power automatically.</a:t>
-            </a:r>
-          </a:p>
-          <a:p>
-            <a:pPr>
-              <a:buFont typeface="Arial" panose="020B0604020202020204" pitchFamily="34" charset="0"/>
-              <a:buChar char="•"/>
-            </a:pPr>
-            <a:endParaRPr lang="en-US" sz="1600" b="1"/>
-          </a:p>
-          <a:p>
-            <a:pPr>
-              <a:buFont typeface="Arial" panose="020B0604020202020204" pitchFamily="34" charset="0"/>
-              <a:buChar char="•"/>
-            </a:pPr>
-            <a:r>
-              <a:rPr lang="en-US" sz="1600" b="1"/>
+          </a:p>
+          <a:p>
+            <a:pPr lvl="1"/>
+            <a:r>
+              <a:rPr lang="en-US" sz="1400" dirty="0">
+                <a:latin typeface="Arial" panose="020B0604020202020204" pitchFamily="34" charset="0"/>
+                <a:cs typeface="Arial" panose="020B0604020202020204" pitchFamily="34" charset="0"/>
+              </a:rPr>
+              <a:t>The architecture supports Azure's elastic scaling capabilities to handle increased transaction volumes seamlessly. </a:t>
+            </a:r>
+            <a:r>
+              <a:rPr lang="en-US" sz="1400" dirty="0" err="1">
+                <a:latin typeface="Arial" panose="020B0604020202020204" pitchFamily="34" charset="0"/>
+                <a:cs typeface="Arial" panose="020B0604020202020204" pitchFamily="34" charset="0"/>
+              </a:rPr>
+              <a:t>Focuns</a:t>
+            </a:r>
+            <a:r>
+              <a:rPr lang="en-US" sz="1400" dirty="0">
+                <a:latin typeface="Arial" panose="020B0604020202020204" pitchFamily="34" charset="0"/>
+                <a:cs typeface="Arial" panose="020B0604020202020204" pitchFamily="34" charset="0"/>
+              </a:rPr>
+              <a:t> on ETL </a:t>
+            </a:r>
+            <a:r>
+              <a:rPr lang="en-US" sz="1400" dirty="0" err="1">
+                <a:latin typeface="Arial" panose="020B0604020202020204" pitchFamily="34" charset="0"/>
+                <a:cs typeface="Arial" panose="020B0604020202020204" pitchFamily="34" charset="0"/>
+              </a:rPr>
+              <a:t>ou</a:t>
+            </a:r>
+            <a:r>
+              <a:rPr lang="en-US" sz="1400" dirty="0">
+                <a:latin typeface="Arial" panose="020B0604020202020204" pitchFamily="34" charset="0"/>
+                <a:cs typeface="Arial" panose="020B0604020202020204" pitchFamily="34" charset="0"/>
+              </a:rPr>
+              <a:t> ELT as Code using </a:t>
+            </a:r>
+            <a:r>
+              <a:rPr lang="en-US" sz="1400" dirty="0" err="1">
+                <a:latin typeface="Arial" panose="020B0604020202020204" pitchFamily="34" charset="0"/>
+                <a:cs typeface="Arial" panose="020B0604020202020204" pitchFamily="34" charset="0"/>
+              </a:rPr>
+              <a:t>PySpark</a:t>
+            </a:r>
+            <a:r>
+              <a:rPr lang="en-US" sz="1400" dirty="0">
+                <a:latin typeface="Arial" panose="020B0604020202020204" pitchFamily="34" charset="0"/>
+                <a:cs typeface="Arial" panose="020B0604020202020204" pitchFamily="34" charset="0"/>
+              </a:rPr>
+              <a:t> on </a:t>
+            </a:r>
+            <a:r>
+              <a:rPr lang="en-US" sz="1400" dirty="0" err="1">
+                <a:latin typeface="Arial" panose="020B0604020202020204" pitchFamily="34" charset="0"/>
+                <a:cs typeface="Arial" panose="020B0604020202020204" pitchFamily="34" charset="0"/>
+              </a:rPr>
+              <a:t>DataBricks</a:t>
+            </a:r>
+            <a:r>
+              <a:rPr lang="en-US" sz="1400" dirty="0">
+                <a:latin typeface="Arial" panose="020B0604020202020204" pitchFamily="34" charset="0"/>
+                <a:cs typeface="Arial" panose="020B0604020202020204" pitchFamily="34" charset="0"/>
+              </a:rPr>
+              <a:t> is possible increase de computer power automatically.</a:t>
+            </a:r>
+          </a:p>
+          <a:p>
+            <a:endParaRPr lang="en-US" dirty="0"/>
+          </a:p>
+          <a:p>
+            <a:r>
+              <a:rPr lang="en-US" dirty="0"/>
               <a:t>Real-time Access:</a:t>
             </a:r>
-            <a:endParaRPr lang="en-US" sz="1600"/>
-          </a:p>
-          <a:p>
-            <a:pPr marL="742950" lvl="1" indent="-285750" algn="just">
-              <a:buFont typeface="Arial" panose="020B0604020202020204" pitchFamily="34" charset="0"/>
-              <a:buChar char="•"/>
-            </a:pPr>
-            <a:r>
-              <a:rPr lang="en-US" sz="1600"/>
+          </a:p>
+          <a:p>
+            <a:pPr lvl="1"/>
+            <a:r>
+              <a:rPr lang="en-US" sz="1400" dirty="0">
+                <a:latin typeface="Arial" panose="020B0604020202020204" pitchFamily="34" charset="0"/>
+                <a:cs typeface="Arial" panose="020B0604020202020204" pitchFamily="34" charset="0"/>
+              </a:rPr>
               <a:t>Event streaming with Azure Event Hubs allows immediate insights into customer interactions, enabling timely marketing decisions. </a:t>
             </a:r>
           </a:p>
           <a:p>
-            <a:pPr>
-              <a:buFont typeface="Arial" panose="020B0604020202020204" pitchFamily="34" charset="0"/>
-              <a:buChar char="•"/>
-            </a:pPr>
-            <a:endParaRPr lang="en-US" sz="1600" b="1"/>
-          </a:p>
-          <a:p>
-            <a:pPr>
-              <a:buFont typeface="Arial" panose="020B0604020202020204" pitchFamily="34" charset="0"/>
-              <a:buChar char="•"/>
-            </a:pPr>
-            <a:r>
-              <a:rPr lang="en-US" sz="1600" b="1"/>
+            <a:endParaRPr lang="en-US" dirty="0"/>
+          </a:p>
+          <a:p>
+            <a:r>
+              <a:rPr lang="en-US" dirty="0"/>
               <a:t>Data Centralization:</a:t>
             </a:r>
-            <a:endParaRPr lang="en-US" sz="1600"/>
-          </a:p>
-          <a:p>
-            <a:pPr marL="742950" lvl="1" indent="-285750" algn="just">
-              <a:buFont typeface="Arial" panose="020B0604020202020204" pitchFamily="34" charset="0"/>
-              <a:buChar char="•"/>
-            </a:pPr>
-            <a:r>
-              <a:rPr lang="en-US" sz="1600"/>
-              <a:t>Azure Data Lake Storage and Azure Synapse for Enterprise DataWareHouse consolidates diverse data sources for comprehensive analysis and reporting.</a:t>
-            </a:r>
-          </a:p>
-          <a:p>
-            <a:pPr>
-              <a:buFont typeface="Arial" panose="020B0604020202020204" pitchFamily="34" charset="0"/>
-              <a:buChar char="•"/>
-            </a:pPr>
-            <a:endParaRPr lang="en-US" sz="1600" b="1"/>
-          </a:p>
-          <a:p>
-            <a:pPr>
-              <a:buFont typeface="Arial" panose="020B0604020202020204" pitchFamily="34" charset="0"/>
-              <a:buChar char="•"/>
-            </a:pPr>
-            <a:r>
-              <a:rPr lang="en-US" sz="1600" b="1"/>
+          </a:p>
+          <a:p>
+            <a:pPr lvl="1"/>
+            <a:r>
+              <a:rPr lang="en-US" sz="1400" dirty="0">
+                <a:latin typeface="Arial" panose="020B0604020202020204" pitchFamily="34" charset="0"/>
+                <a:cs typeface="Arial" panose="020B0604020202020204" pitchFamily="34" charset="0"/>
+              </a:rPr>
+              <a:t>Azure Data Lake Storage and Azure Synapse for Enterprise </a:t>
+            </a:r>
+            <a:r>
+              <a:rPr lang="en-US" sz="1400" dirty="0" err="1">
+                <a:latin typeface="Arial" panose="020B0604020202020204" pitchFamily="34" charset="0"/>
+                <a:cs typeface="Arial" panose="020B0604020202020204" pitchFamily="34" charset="0"/>
+              </a:rPr>
+              <a:t>DataWareHouse</a:t>
+            </a:r>
+            <a:r>
+              <a:rPr lang="en-US" sz="1400" dirty="0">
+                <a:latin typeface="Arial" panose="020B0604020202020204" pitchFamily="34" charset="0"/>
+                <a:cs typeface="Arial" panose="020B0604020202020204" pitchFamily="34" charset="0"/>
+              </a:rPr>
+              <a:t> consolidates diverse data sources for comprehensive analysis and reporting.</a:t>
+            </a:r>
+          </a:p>
+          <a:p>
+            <a:endParaRPr lang="en-US" dirty="0"/>
+          </a:p>
+          <a:p>
+            <a:r>
+              <a:rPr lang="en-US" dirty="0"/>
               <a:t>User Accessibility:</a:t>
             </a:r>
-            <a:endParaRPr lang="en-US" sz="1600"/>
-          </a:p>
-          <a:p>
-            <a:pPr marL="742950" lvl="1" indent="-285750" algn="just">
-              <a:buFont typeface="Arial" panose="020B0604020202020204" pitchFamily="34" charset="0"/>
-              <a:buChar char="•"/>
-            </a:pPr>
-            <a:r>
-              <a:rPr lang="en-US" sz="1600"/>
-              <a:t>Data Base Marketing and Mesh provide the way for keyusers provide their own data and analysi with the gold enterprise data. The Power BI and Analysis Services empowers non-technical staff to derive insights easily, fostering a data-driven culture.</a:t>
-            </a:r>
-          </a:p>
-          <a:p>
-            <a:pPr>
-              <a:buFont typeface="Arial" panose="020B0604020202020204" pitchFamily="34" charset="0"/>
-              <a:buChar char="•"/>
-            </a:pPr>
-            <a:endParaRPr lang="en-US" sz="1600" b="1"/>
-          </a:p>
-          <a:p>
-            <a:pPr>
-              <a:buFont typeface="Arial" panose="020B0604020202020204" pitchFamily="34" charset="0"/>
-              <a:buChar char="•"/>
-            </a:pPr>
-            <a:r>
-              <a:rPr lang="en-US" sz="1600" b="1"/>
+          </a:p>
+          <a:p>
+            <a:pPr lvl="1"/>
+            <a:r>
+              <a:rPr lang="en-US" sz="1400" dirty="0">
+                <a:latin typeface="Arial" panose="020B0604020202020204" pitchFamily="34" charset="0"/>
+                <a:cs typeface="Arial" panose="020B0604020202020204" pitchFamily="34" charset="0"/>
+              </a:rPr>
+              <a:t>Data Base Marketing and Mesh provide the way for </a:t>
+            </a:r>
+            <a:r>
+              <a:rPr lang="en-US" sz="1400" dirty="0" err="1">
+                <a:latin typeface="Arial" panose="020B0604020202020204" pitchFamily="34" charset="0"/>
+                <a:cs typeface="Arial" panose="020B0604020202020204" pitchFamily="34" charset="0"/>
+              </a:rPr>
+              <a:t>keyusers</a:t>
+            </a:r>
+            <a:r>
+              <a:rPr lang="en-US" sz="1400" dirty="0">
+                <a:latin typeface="Arial" panose="020B0604020202020204" pitchFamily="34" charset="0"/>
+                <a:cs typeface="Arial" panose="020B0604020202020204" pitchFamily="34" charset="0"/>
+              </a:rPr>
+              <a:t> provide their own data and </a:t>
+            </a:r>
+            <a:r>
+              <a:rPr lang="en-US" sz="1400" dirty="0" err="1">
+                <a:latin typeface="Arial" panose="020B0604020202020204" pitchFamily="34" charset="0"/>
+                <a:cs typeface="Arial" panose="020B0604020202020204" pitchFamily="34" charset="0"/>
+              </a:rPr>
+              <a:t>analysi</a:t>
+            </a:r>
+            <a:r>
+              <a:rPr lang="en-US" sz="1400" dirty="0">
+                <a:latin typeface="Arial" panose="020B0604020202020204" pitchFamily="34" charset="0"/>
+                <a:cs typeface="Arial" panose="020B0604020202020204" pitchFamily="34" charset="0"/>
+              </a:rPr>
+              <a:t> with the gold enterprise data. The Power BI and Analysis Services empowers non-technical staff to derive insights easily, fostering a data-driven culture.</a:t>
+            </a:r>
+          </a:p>
+          <a:p>
+            <a:endParaRPr lang="en-US" dirty="0"/>
+          </a:p>
+          <a:p>
+            <a:r>
+              <a:rPr lang="en-US" dirty="0"/>
               <a:t>Compliance:</a:t>
             </a:r>
-            <a:endParaRPr lang="en-US" sz="1600"/>
-          </a:p>
-          <a:p>
-            <a:pPr marL="742950" lvl="1" indent="-285750" algn="just">
-              <a:buFont typeface="Arial" panose="020B0604020202020204" pitchFamily="34" charset="0"/>
-              <a:buChar char="•"/>
-            </a:pPr>
-            <a:r>
-              <a:rPr lang="en-US" sz="1600"/>
+          </a:p>
+          <a:p>
+            <a:pPr lvl="1"/>
+            <a:r>
+              <a:rPr lang="en-US" sz="1400" dirty="0">
+                <a:latin typeface="Arial" panose="020B0604020202020204" pitchFamily="34" charset="0"/>
+                <a:cs typeface="Arial" panose="020B0604020202020204" pitchFamily="34" charset="0"/>
+              </a:rPr>
               <a:t>Azure’s built-in compliance features ensure adherence to GDPR/LGPD through data anonymization, access controls, and auditing.</a:t>
             </a:r>
           </a:p>
           <a:p>
-            <a:pPr marL="742950" lvl="1" indent="-285750">
-              <a:buFont typeface="Arial" panose="020B0604020202020204" pitchFamily="34" charset="0"/>
-              <a:buChar char="•"/>
-            </a:pPr>
-            <a:r>
-              <a:rPr lang="pt-BR" sz="1600"/>
-              <a:t>Data encryption (in transit and at rest).</a:t>
-            </a:r>
-          </a:p>
-          <a:p>
-            <a:pPr marL="742950" lvl="1" indent="-285750">
-              <a:buFont typeface="Arial" panose="020B0604020202020204" pitchFamily="34" charset="0"/>
-              <a:buChar char="•"/>
-            </a:pPr>
-            <a:r>
-              <a:rPr lang="pt-BR" sz="1600"/>
-              <a:t>Azure Active Directory for role-based access control and logging for compliance with GDPR/LGPD.</a:t>
-            </a:r>
-            <a:endParaRPr lang="pt-BR" sz="1600" dirty="0"/>
-          </a:p>
-        </p:txBody>
-      </p:sp>
-      <p:sp>
-        <p:nvSpPr>
-          <p:cNvPr id="7" name="CaixaDeTexto 6">
+            <a:pPr lvl="1"/>
+            <a:r>
+              <a:rPr lang="pt-BR" sz="1400" dirty="0">
+                <a:latin typeface="Arial" panose="020B0604020202020204" pitchFamily="34" charset="0"/>
+                <a:cs typeface="Arial" panose="020B0604020202020204" pitchFamily="34" charset="0"/>
+              </a:rPr>
+              <a:t>Azure Active </a:t>
+            </a:r>
+            <a:r>
+              <a:rPr lang="pt-BR" sz="1400" dirty="0" err="1">
+                <a:latin typeface="Arial" panose="020B0604020202020204" pitchFamily="34" charset="0"/>
+                <a:cs typeface="Arial" panose="020B0604020202020204" pitchFamily="34" charset="0"/>
+              </a:rPr>
+              <a:t>Directory</a:t>
+            </a:r>
+            <a:r>
+              <a:rPr lang="pt-BR" sz="1400" dirty="0">
+                <a:latin typeface="Arial" panose="020B0604020202020204" pitchFamily="34" charset="0"/>
+                <a:cs typeface="Arial" panose="020B0604020202020204" pitchFamily="34" charset="0"/>
+              </a:rPr>
+              <a:t> for role-</a:t>
+            </a:r>
+            <a:r>
+              <a:rPr lang="pt-BR" sz="1400" dirty="0" err="1">
+                <a:latin typeface="Arial" panose="020B0604020202020204" pitchFamily="34" charset="0"/>
+                <a:cs typeface="Arial" panose="020B0604020202020204" pitchFamily="34" charset="0"/>
+              </a:rPr>
+              <a:t>based</a:t>
+            </a:r>
+            <a:r>
+              <a:rPr lang="pt-BR" sz="1400" dirty="0">
+                <a:latin typeface="Arial" panose="020B0604020202020204" pitchFamily="34" charset="0"/>
+                <a:cs typeface="Arial" panose="020B0604020202020204" pitchFamily="34" charset="0"/>
+              </a:rPr>
+              <a:t> </a:t>
+            </a:r>
+            <a:r>
+              <a:rPr lang="pt-BR" sz="1400" dirty="0" err="1">
+                <a:latin typeface="Arial" panose="020B0604020202020204" pitchFamily="34" charset="0"/>
+                <a:cs typeface="Arial" panose="020B0604020202020204" pitchFamily="34" charset="0"/>
+              </a:rPr>
+              <a:t>access</a:t>
+            </a:r>
+            <a:r>
+              <a:rPr lang="pt-BR" sz="1400" dirty="0">
+                <a:latin typeface="Arial" panose="020B0604020202020204" pitchFamily="34" charset="0"/>
+                <a:cs typeface="Arial" panose="020B0604020202020204" pitchFamily="34" charset="0"/>
+              </a:rPr>
+              <a:t> </a:t>
+            </a:r>
+            <a:r>
+              <a:rPr lang="pt-BR" sz="1400" dirty="0" err="1">
+                <a:latin typeface="Arial" panose="020B0604020202020204" pitchFamily="34" charset="0"/>
+                <a:cs typeface="Arial" panose="020B0604020202020204" pitchFamily="34" charset="0"/>
+              </a:rPr>
+              <a:t>control</a:t>
+            </a:r>
+            <a:r>
+              <a:rPr lang="pt-BR" sz="1400" dirty="0">
+                <a:latin typeface="Arial" panose="020B0604020202020204" pitchFamily="34" charset="0"/>
+                <a:cs typeface="Arial" panose="020B0604020202020204" pitchFamily="34" charset="0"/>
+              </a:rPr>
+              <a:t> </a:t>
+            </a:r>
+            <a:r>
+              <a:rPr lang="pt-BR" sz="1400" dirty="0" err="1">
+                <a:latin typeface="Arial" panose="020B0604020202020204" pitchFamily="34" charset="0"/>
+                <a:cs typeface="Arial" panose="020B0604020202020204" pitchFamily="34" charset="0"/>
+              </a:rPr>
+              <a:t>and</a:t>
+            </a:r>
+            <a:r>
+              <a:rPr lang="pt-BR" sz="1400" dirty="0">
+                <a:latin typeface="Arial" panose="020B0604020202020204" pitchFamily="34" charset="0"/>
+                <a:cs typeface="Arial" panose="020B0604020202020204" pitchFamily="34" charset="0"/>
+              </a:rPr>
+              <a:t> </a:t>
+            </a:r>
+            <a:r>
+              <a:rPr lang="pt-BR" sz="1400" dirty="0" err="1">
+                <a:latin typeface="Arial" panose="020B0604020202020204" pitchFamily="34" charset="0"/>
+                <a:cs typeface="Arial" panose="020B0604020202020204" pitchFamily="34" charset="0"/>
+              </a:rPr>
+              <a:t>logging</a:t>
+            </a:r>
+            <a:r>
+              <a:rPr lang="pt-BR" sz="1400" dirty="0">
+                <a:latin typeface="Arial" panose="020B0604020202020204" pitchFamily="34" charset="0"/>
+                <a:cs typeface="Arial" panose="020B0604020202020204" pitchFamily="34" charset="0"/>
+              </a:rPr>
+              <a:t> for compliance </a:t>
+            </a:r>
+            <a:r>
+              <a:rPr lang="pt-BR" sz="1400" dirty="0" err="1">
+                <a:latin typeface="Arial" panose="020B0604020202020204" pitchFamily="34" charset="0"/>
+                <a:cs typeface="Arial" panose="020B0604020202020204" pitchFamily="34" charset="0"/>
+              </a:rPr>
+              <a:t>with</a:t>
+            </a:r>
+            <a:r>
+              <a:rPr lang="pt-BR" sz="1400" dirty="0">
+                <a:latin typeface="Arial" panose="020B0604020202020204" pitchFamily="34" charset="0"/>
+                <a:cs typeface="Arial" panose="020B0604020202020204" pitchFamily="34" charset="0"/>
+              </a:rPr>
+              <a:t> GDPR/LGPD.</a:t>
+            </a:r>
+          </a:p>
+        </p:txBody>
+      </p:sp>
+      <p:pic>
+        <p:nvPicPr>
+          <p:cNvPr id="2" name="Picture 4" descr="Azure Cloud Services : Rising Market Share Growth and Innovative Solutions  Drive Success.">
             <a:extLst>
               <a:ext uri="{FF2B5EF4-FFF2-40B4-BE49-F238E27FC236}">
-                <a16:creationId xmlns:a16="http://schemas.microsoft.com/office/drawing/2014/main" id="{0000A6E2-08CB-9857-A48E-BA78320024E3}"/>
+                <a16:creationId xmlns:a16="http://schemas.microsoft.com/office/drawing/2014/main" id="{456D97EF-E661-E67B-5C42-AE3C64DDA9E3}"/>
               </a:ext>
             </a:extLst>
           </p:cNvPr>
-          <p:cNvSpPr txBox="1"/>
+          <p:cNvPicPr>
+            <a:picLocks noChangeAspect="1" noChangeArrowheads="1"/>
+          </p:cNvPicPr>
           <p:nvPr/>
-        </p:nvSpPr>
-        <p:spPr>
+        </p:nvPicPr>
+        <p:blipFill>
+          <a:blip r:embed="rId2">
+            <a:extLst>
+              <a:ext uri="{28A0092B-C50C-407E-A947-70E740481C1C}">
+                <a14:useLocalDpi xmlns:a14="http://schemas.microsoft.com/office/drawing/2010/main" val="0"/>
+              </a:ext>
+            </a:extLst>
+          </a:blip>
+          <a:srcRect/>
+          <a:stretch>
+            <a:fillRect/>
+          </a:stretch>
+        </p:blipFill>
+        <p:spPr bwMode="auto">
           <a:xfrm>
-            <a:off x="-4762" y="453509"/>
-            <a:ext cx="6100762" cy="369332"/>
+            <a:off x="73890" y="1295400"/>
+            <a:ext cx="3429000" cy="3429000"/>
           </a:xfrm>
           <a:prstGeom prst="rect">
             <a:avLst/>
           </a:prstGeom>
           <a:noFill/>
+          <a:extLst>
+            <a:ext uri="{909E8E84-426E-40DD-AFC4-6F175D3DCCD1}">
+              <a14:hiddenFill xmlns:a14="http://schemas.microsoft.com/office/drawing/2010/main">
+                <a:solidFill>
+                  <a:srgbClr val="FFFFFF"/>
+                </a:solidFill>
+              </a14:hiddenFill>
+            </a:ext>
+          </a:extLst>
         </p:spPr>
-        <p:txBody>
-          <a:bodyPr wrap="square">
-            <a:spAutoFit/>
-          </a:bodyPr>
-          <a:lstStyle/>
-          <a:p>
-            <a:r>
-              <a:rPr lang="pt-BR" b="1"/>
-              <a:t>Architecture Diagram Explanation</a:t>
-            </a:r>
-            <a:endParaRPr lang="pt-BR" dirty="0"/>
-          </a:p>
-        </p:txBody>
-      </p:sp>
-      <p:sp>
-        <p:nvSpPr>
-          <p:cNvPr id="8" name="CaixaDeTexto 7">
-            <a:extLst>
-              <a:ext uri="{FF2B5EF4-FFF2-40B4-BE49-F238E27FC236}">
-                <a16:creationId xmlns:a16="http://schemas.microsoft.com/office/drawing/2014/main" id="{65DFDBCB-FAA8-EE46-ED79-603B04453113}"/>
-              </a:ext>
-            </a:extLst>
-          </p:cNvPr>
-          <p:cNvSpPr txBox="1"/>
-          <p:nvPr/>
-        </p:nvSpPr>
-        <p:spPr>
-          <a:xfrm>
-            <a:off x="51419" y="1204942"/>
-            <a:ext cx="3244231" cy="4185761"/>
-          </a:xfrm>
-          <a:prstGeom prst="rect">
-            <a:avLst/>
-          </a:prstGeom>
-          <a:noFill/>
-        </p:spPr>
-        <p:txBody>
-          <a:bodyPr wrap="square">
-            <a:spAutoFit/>
-          </a:bodyPr>
-          <a:lstStyle/>
-          <a:p>
-            <a:r>
-              <a:rPr lang="pt-BR" sz="1400" b="1"/>
-              <a:t>Technology Stack Overview</a:t>
-            </a:r>
-          </a:p>
-          <a:p>
-            <a:endParaRPr lang="pt-BR" sz="1400" b="1"/>
-          </a:p>
-          <a:p>
-            <a:pPr>
-              <a:buFont typeface="Arial" panose="020B0604020202020204" pitchFamily="34" charset="0"/>
-              <a:buChar char="•"/>
-            </a:pPr>
-            <a:r>
-              <a:rPr lang="pt-BR" sz="1400" b="1"/>
-              <a:t>Cloud Services:</a:t>
-            </a:r>
-          </a:p>
-          <a:p>
-            <a:pPr lvl="1">
-              <a:buFont typeface="Arial" panose="020B0604020202020204" pitchFamily="34" charset="0"/>
-              <a:buChar char="•"/>
-            </a:pPr>
-            <a:r>
-              <a:rPr lang="pt-BR" sz="1400" b="1"/>
-              <a:t> Azure</a:t>
-            </a:r>
-            <a:r>
-              <a:rPr lang="pt-BR" sz="1400"/>
-              <a:t> for cloud infrastructure.</a:t>
-            </a:r>
-          </a:p>
-          <a:p>
-            <a:pPr>
-              <a:buFont typeface="Arial" panose="020B0604020202020204" pitchFamily="34" charset="0"/>
-              <a:buChar char="•"/>
-            </a:pPr>
-            <a:endParaRPr lang="pt-BR" sz="1400" b="1"/>
-          </a:p>
-          <a:p>
-            <a:pPr>
-              <a:buFont typeface="Arial" panose="020B0604020202020204" pitchFamily="34" charset="0"/>
-              <a:buChar char="•"/>
-            </a:pPr>
-            <a:r>
-              <a:rPr lang="pt-BR" sz="1400" b="1"/>
-              <a:t>Data Ingestion Tools:</a:t>
-            </a:r>
-          </a:p>
-          <a:p>
-            <a:pPr lvl="1">
-              <a:buFont typeface="Arial" panose="020B0604020202020204" pitchFamily="34" charset="0"/>
-              <a:buChar char="•"/>
-            </a:pPr>
-            <a:r>
-              <a:rPr lang="pt-BR" sz="1400"/>
-              <a:t>Azure Data Factory, Azure Event Hubs.</a:t>
-            </a:r>
-          </a:p>
-          <a:p>
-            <a:pPr lvl="1"/>
-            <a:endParaRPr lang="pt-BR" sz="1400"/>
-          </a:p>
-          <a:p>
-            <a:pPr>
-              <a:buFont typeface="Arial" panose="020B0604020202020204" pitchFamily="34" charset="0"/>
-              <a:buChar char="•"/>
-            </a:pPr>
-            <a:r>
-              <a:rPr lang="pt-BR" sz="1400" b="1"/>
-              <a:t>Storage Solutions:</a:t>
-            </a:r>
-          </a:p>
-          <a:p>
-            <a:pPr lvl="1">
-              <a:buFont typeface="Arial" panose="020B0604020202020204" pitchFamily="34" charset="0"/>
-              <a:buChar char="•"/>
-            </a:pPr>
-            <a:r>
-              <a:rPr lang="pt-BR" sz="1400"/>
-              <a:t>Azure Data Lake Storage (ADLS).</a:t>
-            </a:r>
-          </a:p>
-          <a:p>
-            <a:pPr>
-              <a:buFont typeface="Arial" panose="020B0604020202020204" pitchFamily="34" charset="0"/>
-              <a:buChar char="•"/>
-            </a:pPr>
-            <a:endParaRPr lang="pt-BR" sz="1400" b="1"/>
-          </a:p>
-          <a:p>
-            <a:pPr>
-              <a:buFont typeface="Arial" panose="020B0604020202020204" pitchFamily="34" charset="0"/>
-              <a:buChar char="•"/>
-            </a:pPr>
-            <a:r>
-              <a:rPr lang="pt-BR" sz="1400" b="1"/>
-              <a:t>Processing Engines:</a:t>
-            </a:r>
-          </a:p>
-          <a:p>
-            <a:pPr lvl="1">
-              <a:buFont typeface="Arial" panose="020B0604020202020204" pitchFamily="34" charset="0"/>
-              <a:buChar char="•"/>
-            </a:pPr>
-            <a:r>
-              <a:rPr lang="pt-BR" sz="1400"/>
-              <a:t>Azure Databricks, Azure Synapse Analytics.</a:t>
-            </a:r>
-          </a:p>
-          <a:p>
-            <a:pPr>
-              <a:buFont typeface="Arial" panose="020B0604020202020204" pitchFamily="34" charset="0"/>
-              <a:buChar char="•"/>
-            </a:pPr>
-            <a:endParaRPr lang="pt-BR" sz="1400" b="1"/>
-          </a:p>
-          <a:p>
-            <a:pPr>
-              <a:buFont typeface="Arial" panose="020B0604020202020204" pitchFamily="34" charset="0"/>
-              <a:buChar char="•"/>
-            </a:pPr>
-            <a:r>
-              <a:rPr lang="pt-BR" sz="1400" b="1"/>
-              <a:t>Analytics &amp; BI Tools:</a:t>
-            </a:r>
-          </a:p>
-          <a:p>
-            <a:pPr lvl="1">
-              <a:buFont typeface="Arial" panose="020B0604020202020204" pitchFamily="34" charset="0"/>
-              <a:buChar char="•"/>
-            </a:pPr>
-            <a:r>
-              <a:rPr lang="pt-BR" sz="1400"/>
-              <a:t>Power BI, Analisys Services.</a:t>
-            </a:r>
-          </a:p>
-          <a:p>
-            <a:pPr>
-              <a:buFont typeface="Arial" panose="020B0604020202020204" pitchFamily="34" charset="0"/>
-              <a:buChar char="•"/>
-            </a:pPr>
-            <a:endParaRPr lang="pt-BR" sz="1400" dirty="0"/>
-          </a:p>
-        </p:txBody>
-      </p:sp>
+      </p:pic>
     </p:spTree>
     <p:extLst>
       <p:ext uri="{BB962C8B-B14F-4D97-AF65-F5344CB8AC3E}">
-        <p14:creationId xmlns:p14="http://schemas.microsoft.com/office/powerpoint/2010/main" val="1939269916"/>
+        <p14:creationId xmlns:p14="http://schemas.microsoft.com/office/powerpoint/2010/main" val="309857774"/>
       </p:ext>
     </p:extLst>
   </p:cSld>
